--- a/src/ppt6_ar.pptx
+++ b/src/ppt6_ar.pptx
@@ -113,7 +113,7 @@
   </p:defaultTextStyle>
   <p:extLst>
     <p:ext uri="{EFAFB233-063F-42B5-8137-9DF3F51BA10A}">
-      <p15:sldGuideLst xmlns:p15="http://schemas.microsoft.com/office/powerpoint/2012/main">
+      <p15:sldGuideLst xmlns:p15="http://schemas.microsoft.com/office/powerpoint/2012/main" xmlns="">
         <p15:guide id="1" orient="horz" pos="2160">
           <p15:clr>
             <a:srgbClr val="A4A3A4"/>
@@ -853,7 +853,7 @@
             <a:fld id="{48A87A34-81AB-432B-8DAE-1953F412C126}" type="datetimeFigureOut">
               <a:rPr lang="en-US" smtClean="0"/>
               <a:pPr/>
-              <a:t>12/19/2017</a:t>
+              <a:t>2/26/2018</a:t>
             </a:fld>
             <a:endParaRPr lang="en-US" dirty="0"/>
           </a:p>
@@ -905,7 +905,7 @@
     </p:spTree>
     <p:extLst>
       <p:ext uri="{BB962C8B-B14F-4D97-AF65-F5344CB8AC3E}">
-        <p14:creationId xmlns:p14="http://schemas.microsoft.com/office/powerpoint/2010/main" val="2379700270"/>
+        <p14:creationId xmlns:p14="http://schemas.microsoft.com/office/powerpoint/2010/main" xmlns="" val="2379700270"/>
       </p:ext>
     </p:extLst>
   </p:cSld>
@@ -1106,7 +1106,7 @@
             <a:fld id="{48A87A34-81AB-432B-8DAE-1953F412C126}" type="datetimeFigureOut">
               <a:rPr lang="en-US" smtClean="0"/>
               <a:pPr/>
-              <a:t>12/19/2017</a:t>
+              <a:t>2/26/2018</a:t>
             </a:fld>
             <a:endParaRPr lang="en-US" dirty="0"/>
           </a:p>
@@ -1158,7 +1158,7 @@
     </p:spTree>
     <p:extLst>
       <p:ext uri="{BB962C8B-B14F-4D97-AF65-F5344CB8AC3E}">
-        <p14:creationId xmlns:p14="http://schemas.microsoft.com/office/powerpoint/2010/main" val="1804991245"/>
+        <p14:creationId xmlns:p14="http://schemas.microsoft.com/office/powerpoint/2010/main" xmlns="" val="1804991245"/>
       </p:ext>
     </p:extLst>
   </p:cSld>
@@ -1422,7 +1422,7 @@
             <a:fld id="{48A87A34-81AB-432B-8DAE-1953F412C126}" type="datetimeFigureOut">
               <a:rPr lang="en-US" smtClean="0"/>
               <a:pPr/>
-              <a:t>12/19/2017</a:t>
+              <a:t>2/26/2018</a:t>
             </a:fld>
             <a:endParaRPr lang="en-US" dirty="0"/>
           </a:p>
@@ -1564,7 +1564,7 @@
     </p:spTree>
     <p:extLst>
       <p:ext uri="{BB962C8B-B14F-4D97-AF65-F5344CB8AC3E}">
-        <p14:creationId xmlns:p14="http://schemas.microsoft.com/office/powerpoint/2010/main" val="1473712570"/>
+        <p14:creationId xmlns:p14="http://schemas.microsoft.com/office/powerpoint/2010/main" xmlns="" val="1473712570"/>
       </p:ext>
     </p:extLst>
   </p:cSld>
@@ -1765,7 +1765,7 @@
             <a:fld id="{48A87A34-81AB-432B-8DAE-1953F412C126}" type="datetimeFigureOut">
               <a:rPr lang="en-US" smtClean="0"/>
               <a:pPr/>
-              <a:t>12/19/2017</a:t>
+              <a:t>2/26/2018</a:t>
             </a:fld>
             <a:endParaRPr lang="en-US" dirty="0"/>
           </a:p>
@@ -1817,7 +1817,7 @@
     </p:spTree>
     <p:extLst>
       <p:ext uri="{BB962C8B-B14F-4D97-AF65-F5344CB8AC3E}">
-        <p14:creationId xmlns:p14="http://schemas.microsoft.com/office/powerpoint/2010/main" val="2530574234"/>
+        <p14:creationId xmlns:p14="http://schemas.microsoft.com/office/powerpoint/2010/main" xmlns="" val="2530574234"/>
       </p:ext>
     </p:extLst>
   </p:cSld>
@@ -2081,7 +2081,7 @@
             <a:fld id="{48A87A34-81AB-432B-8DAE-1953F412C126}" type="datetimeFigureOut">
               <a:rPr lang="en-US" smtClean="0"/>
               <a:pPr/>
-              <a:t>12/19/2017</a:t>
+              <a:t>2/26/2018</a:t>
             </a:fld>
             <a:endParaRPr lang="en-US" dirty="0"/>
           </a:p>
@@ -2215,7 +2215,7 @@
     </p:spTree>
     <p:extLst>
       <p:ext uri="{BB962C8B-B14F-4D97-AF65-F5344CB8AC3E}">
-        <p14:creationId xmlns:p14="http://schemas.microsoft.com/office/powerpoint/2010/main" val="1004790222"/>
+        <p14:creationId xmlns:p14="http://schemas.microsoft.com/office/powerpoint/2010/main" xmlns="" val="1004790222"/>
       </p:ext>
     </p:extLst>
   </p:cSld>
@@ -2476,7 +2476,7 @@
             <a:fld id="{48A87A34-81AB-432B-8DAE-1953F412C126}" type="datetimeFigureOut">
               <a:rPr lang="en-US" smtClean="0"/>
               <a:pPr/>
-              <a:t>12/19/2017</a:t>
+              <a:t>2/26/2018</a:t>
             </a:fld>
             <a:endParaRPr lang="en-US" dirty="0"/>
           </a:p>
@@ -2528,7 +2528,7 @@
     </p:spTree>
     <p:extLst>
       <p:ext uri="{BB962C8B-B14F-4D97-AF65-F5344CB8AC3E}">
-        <p14:creationId xmlns:p14="http://schemas.microsoft.com/office/powerpoint/2010/main" val="3328784466"/>
+        <p14:creationId xmlns:p14="http://schemas.microsoft.com/office/powerpoint/2010/main" xmlns="" val="3328784466"/>
       </p:ext>
     </p:extLst>
   </p:cSld>
@@ -2648,7 +2648,7 @@
             <a:fld id="{48A87A34-81AB-432B-8DAE-1953F412C126}" type="datetimeFigureOut">
               <a:rPr lang="en-US" smtClean="0"/>
               <a:pPr/>
-              <a:t>12/19/2017</a:t>
+              <a:t>2/26/2018</a:t>
             </a:fld>
             <a:endParaRPr lang="en-US" dirty="0"/>
           </a:p>
@@ -2700,7 +2700,7 @@
     </p:spTree>
     <p:extLst>
       <p:ext uri="{BB962C8B-B14F-4D97-AF65-F5344CB8AC3E}">
-        <p14:creationId xmlns:p14="http://schemas.microsoft.com/office/powerpoint/2010/main" val="1447070425"/>
+        <p14:creationId xmlns:p14="http://schemas.microsoft.com/office/powerpoint/2010/main" xmlns="" val="1447070425"/>
       </p:ext>
     </p:extLst>
   </p:cSld>
@@ -2830,7 +2830,7 @@
             <a:fld id="{48A87A34-81AB-432B-8DAE-1953F412C126}" type="datetimeFigureOut">
               <a:rPr lang="en-US" smtClean="0"/>
               <a:pPr/>
-              <a:t>12/19/2017</a:t>
+              <a:t>2/26/2018</a:t>
             </a:fld>
             <a:endParaRPr lang="en-US" dirty="0"/>
           </a:p>
@@ -2882,7 +2882,7 @@
     </p:spTree>
     <p:extLst>
       <p:ext uri="{BB962C8B-B14F-4D97-AF65-F5344CB8AC3E}">
-        <p14:creationId xmlns:p14="http://schemas.microsoft.com/office/powerpoint/2010/main" val="3648480235"/>
+        <p14:creationId xmlns:p14="http://schemas.microsoft.com/office/powerpoint/2010/main" xmlns="" val="3648480235"/>
       </p:ext>
     </p:extLst>
   </p:cSld>
@@ -3008,7 +3008,7 @@
             <a:fld id="{48A87A34-81AB-432B-8DAE-1953F412C126}" type="datetimeFigureOut">
               <a:rPr lang="en-US" smtClean="0"/>
               <a:pPr/>
-              <a:t>12/19/2017</a:t>
+              <a:t>2/26/2018</a:t>
             </a:fld>
             <a:endParaRPr lang="en-US" dirty="0"/>
           </a:p>
@@ -3060,7 +3060,7 @@
     </p:spTree>
     <p:extLst>
       <p:ext uri="{BB962C8B-B14F-4D97-AF65-F5344CB8AC3E}">
-        <p14:creationId xmlns:p14="http://schemas.microsoft.com/office/powerpoint/2010/main" val="2649633687"/>
+        <p14:creationId xmlns:p14="http://schemas.microsoft.com/office/powerpoint/2010/main" xmlns="" val="2649633687"/>
       </p:ext>
     </p:extLst>
   </p:cSld>
@@ -3257,7 +3257,7 @@
             <a:fld id="{48A87A34-81AB-432B-8DAE-1953F412C126}" type="datetimeFigureOut">
               <a:rPr lang="en-US" smtClean="0"/>
               <a:pPr/>
-              <a:t>12/19/2017</a:t>
+              <a:t>2/26/2018</a:t>
             </a:fld>
             <a:endParaRPr lang="en-US" dirty="0"/>
           </a:p>
@@ -3309,7 +3309,7 @@
     </p:spTree>
     <p:extLst>
       <p:ext uri="{BB962C8B-B14F-4D97-AF65-F5344CB8AC3E}">
-        <p14:creationId xmlns:p14="http://schemas.microsoft.com/office/powerpoint/2010/main" val="572893903"/>
+        <p14:creationId xmlns:p14="http://schemas.microsoft.com/office/powerpoint/2010/main" xmlns="" val="572893903"/>
       </p:ext>
     </p:extLst>
   </p:cSld>
@@ -3491,7 +3491,7 @@
             <a:fld id="{48A87A34-81AB-432B-8DAE-1953F412C126}" type="datetimeFigureOut">
               <a:rPr lang="en-US" smtClean="0"/>
               <a:pPr/>
-              <a:t>12/19/2017</a:t>
+              <a:t>2/26/2018</a:t>
             </a:fld>
             <a:endParaRPr lang="en-US" dirty="0"/>
           </a:p>
@@ -3543,7 +3543,7 @@
     </p:spTree>
     <p:extLst>
       <p:ext uri="{BB962C8B-B14F-4D97-AF65-F5344CB8AC3E}">
-        <p14:creationId xmlns:p14="http://schemas.microsoft.com/office/powerpoint/2010/main" val="3918475607"/>
+        <p14:creationId xmlns:p14="http://schemas.microsoft.com/office/powerpoint/2010/main" xmlns="" val="3918475607"/>
       </p:ext>
     </p:extLst>
   </p:cSld>
@@ -3867,7 +3867,7 @@
             <a:fld id="{48A87A34-81AB-432B-8DAE-1953F412C126}" type="datetimeFigureOut">
               <a:rPr lang="en-US" smtClean="0"/>
               <a:pPr/>
-              <a:t>12/19/2017</a:t>
+              <a:t>2/26/2018</a:t>
             </a:fld>
             <a:endParaRPr lang="en-US" dirty="0"/>
           </a:p>
@@ -3919,7 +3919,7 @@
     </p:spTree>
     <p:extLst>
       <p:ext uri="{BB962C8B-B14F-4D97-AF65-F5344CB8AC3E}">
-        <p14:creationId xmlns:p14="http://schemas.microsoft.com/office/powerpoint/2010/main" val="70569158"/>
+        <p14:creationId xmlns:p14="http://schemas.microsoft.com/office/powerpoint/2010/main" xmlns="" val="70569158"/>
       </p:ext>
     </p:extLst>
   </p:cSld>
@@ -3992,7 +3992,7 @@
             <a:fld id="{48A87A34-81AB-432B-8DAE-1953F412C126}" type="datetimeFigureOut">
               <a:rPr lang="en-US" smtClean="0"/>
               <a:pPr/>
-              <a:t>12/19/2017</a:t>
+              <a:t>2/26/2018</a:t>
             </a:fld>
             <a:endParaRPr lang="en-US" dirty="0"/>
           </a:p>
@@ -4044,7 +4044,7 @@
     </p:spTree>
     <p:extLst>
       <p:ext uri="{BB962C8B-B14F-4D97-AF65-F5344CB8AC3E}">
-        <p14:creationId xmlns:p14="http://schemas.microsoft.com/office/powerpoint/2010/main" val="3956773614"/>
+        <p14:creationId xmlns:p14="http://schemas.microsoft.com/office/powerpoint/2010/main" xmlns="" val="3956773614"/>
       </p:ext>
     </p:extLst>
   </p:cSld>
@@ -4089,7 +4089,7 @@
             <a:fld id="{48A87A34-81AB-432B-8DAE-1953F412C126}" type="datetimeFigureOut">
               <a:rPr lang="en-US" smtClean="0"/>
               <a:pPr/>
-              <a:t>12/19/2017</a:t>
+              <a:t>2/26/2018</a:t>
             </a:fld>
             <a:endParaRPr lang="en-US" dirty="0"/>
           </a:p>
@@ -4141,7 +4141,7 @@
     </p:spTree>
     <p:extLst>
       <p:ext uri="{BB962C8B-B14F-4D97-AF65-F5344CB8AC3E}">
-        <p14:creationId xmlns:p14="http://schemas.microsoft.com/office/powerpoint/2010/main" val="843387325"/>
+        <p14:creationId xmlns:p14="http://schemas.microsoft.com/office/powerpoint/2010/main" xmlns="" val="843387325"/>
       </p:ext>
     </p:extLst>
   </p:cSld>
@@ -4346,7 +4346,7 @@
             <a:fld id="{48A87A34-81AB-432B-8DAE-1953F412C126}" type="datetimeFigureOut">
               <a:rPr lang="en-US" smtClean="0"/>
               <a:pPr/>
-              <a:t>12/19/2017</a:t>
+              <a:t>2/26/2018</a:t>
             </a:fld>
             <a:endParaRPr lang="en-US" dirty="0"/>
           </a:p>
@@ -4398,7 +4398,7 @@
     </p:spTree>
     <p:extLst>
       <p:ext uri="{BB962C8B-B14F-4D97-AF65-F5344CB8AC3E}">
-        <p14:creationId xmlns:p14="http://schemas.microsoft.com/office/powerpoint/2010/main" val="614752468"/>
+        <p14:creationId xmlns:p14="http://schemas.microsoft.com/office/powerpoint/2010/main" xmlns="" val="614752468"/>
       </p:ext>
     </p:extLst>
   </p:cSld>
@@ -4611,7 +4611,7 @@
             <a:fld id="{48A87A34-81AB-432B-8DAE-1953F412C126}" type="datetimeFigureOut">
               <a:rPr lang="en-US" smtClean="0"/>
               <a:pPr/>
-              <a:t>12/19/2017</a:t>
+              <a:t>2/26/2018</a:t>
             </a:fld>
             <a:endParaRPr lang="en-US" dirty="0"/>
           </a:p>
@@ -4663,7 +4663,7 @@
     </p:spTree>
     <p:extLst>
       <p:ext uri="{BB962C8B-B14F-4D97-AF65-F5344CB8AC3E}">
-        <p14:creationId xmlns:p14="http://schemas.microsoft.com/office/powerpoint/2010/main" val="2525773852"/>
+        <p14:creationId xmlns:p14="http://schemas.microsoft.com/office/powerpoint/2010/main" xmlns="" val="2525773852"/>
       </p:ext>
     </p:extLst>
   </p:cSld>
@@ -5356,7 +5356,7 @@
             <a:fld id="{48A87A34-81AB-432B-8DAE-1953F412C126}" type="datetimeFigureOut">
               <a:rPr lang="en-US" smtClean="0"/>
               <a:pPr/>
-              <a:t>12/19/2017</a:t>
+              <a:t>2/26/2018</a:t>
             </a:fld>
             <a:endParaRPr lang="en-US" dirty="0"/>
           </a:p>
@@ -5442,7 +5442,7 @@
     </p:spTree>
     <p:extLst>
       <p:ext uri="{BB962C8B-B14F-4D97-AF65-F5344CB8AC3E}">
-        <p14:creationId xmlns:p14="http://schemas.microsoft.com/office/powerpoint/2010/main" val="2849168193"/>
+        <p14:creationId xmlns:p14="http://schemas.microsoft.com/office/powerpoint/2010/main" xmlns="" val="2849168193"/>
       </p:ext>
     </p:extLst>
   </p:cSld>
@@ -5933,7 +5933,7 @@
     </p:spTree>
     <p:extLst>
       <p:ext uri="{BB962C8B-B14F-4D97-AF65-F5344CB8AC3E}">
-        <p14:creationId xmlns:p14="http://schemas.microsoft.com/office/powerpoint/2010/main" val="1597654807"/>
+        <p14:creationId xmlns:p14="http://schemas.microsoft.com/office/powerpoint/2010/main" xmlns="" val="1597654807"/>
       </p:ext>
     </p:extLst>
   </p:cSld>
@@ -6010,13 +6010,13 @@
         </p:nvSpPr>
         <p:spPr>
           <a:xfrm>
-            <a:off x="677334" y="1904111"/>
-            <a:ext cx="9195109" cy="4953889"/>
+            <a:off x="677335" y="1904111"/>
+            <a:ext cx="8928484" cy="4953889"/>
           </a:xfrm>
         </p:spPr>
         <p:txBody>
           <a:bodyPr>
-            <a:normAutofit/>
+            <a:normAutofit fontScale="92500"/>
           </a:bodyPr>
           <a:lstStyle/>
           <a:p>
@@ -6113,7 +6113,7 @@
     </p:spTree>
     <p:extLst>
       <p:ext uri="{BB962C8B-B14F-4D97-AF65-F5344CB8AC3E}">
-        <p14:creationId xmlns:p14="http://schemas.microsoft.com/office/powerpoint/2010/main" val="2508929371"/>
+        <p14:creationId xmlns:p14="http://schemas.microsoft.com/office/powerpoint/2010/main" xmlns="" val="2508929371"/>
       </p:ext>
     </p:extLst>
   </p:cSld>
@@ -6245,7 +6245,7 @@
     </p:spTree>
     <p:extLst>
       <p:ext uri="{BB962C8B-B14F-4D97-AF65-F5344CB8AC3E}">
-        <p14:creationId xmlns:p14="http://schemas.microsoft.com/office/powerpoint/2010/main" val="2508929371"/>
+        <p14:creationId xmlns:p14="http://schemas.microsoft.com/office/powerpoint/2010/main" xmlns="" val="2508929371"/>
       </p:ext>
     </p:extLst>
   </p:cSld>
@@ -6302,26 +6302,26 @@
           <a:lstStyle/>
           <a:p>
             <a:r>
-              <a:rPr lang="he-IL" sz="4400" dirty="0">
+              <a:rPr lang="he-IL" dirty="0">
                 <a:latin typeface="Ara Hamah Alislam" panose="00000500000000000000" pitchFamily="2" charset="-78"/>
               </a:rPr>
               <a:t> </a:t>
             </a:r>
             <a:r>
-              <a:rPr lang="ar-EG" sz="4400" dirty="0">
+              <a:rPr lang="ar-EG" dirty="0">
                 <a:latin typeface="Ara Hamah Alislam" panose="00000500000000000000" pitchFamily="2" charset="-78"/>
                 <a:cs typeface="Ara Hamah Alislam" panose="00000500000000000000" pitchFamily="2" charset="-78"/>
               </a:rPr>
               <a:t>إضافة مصباح الى الروبوت – عنصر من فئة </a:t>
             </a:r>
             <a:r>
-              <a:rPr lang="ar-EG" sz="4400" dirty="0" smtClean="0">
+              <a:rPr lang="ar-EG" dirty="0" smtClean="0">
                 <a:latin typeface="Ara Hamah Alislam" panose="00000500000000000000" pitchFamily="2" charset="-78"/>
                 <a:cs typeface="Ara Hamah Alislam" panose="00000500000000000000" pitchFamily="2" charset="-78"/>
               </a:rPr>
               <a:t>مُخرج </a:t>
             </a:r>
-            <a:endParaRPr lang="he-IL" sz="4400" dirty="0">
+            <a:endParaRPr lang="he-IL" dirty="0">
               <a:latin typeface="Ara Hamah Alislam" panose="00000500000000000000" pitchFamily="2" charset="-78"/>
             </a:endParaRPr>
           </a:p>
@@ -6340,7 +6340,7 @@
         <p:spPr>
           <a:xfrm>
             <a:off x="345119" y="1019650"/>
-            <a:ext cx="9762066" cy="5666189"/>
+            <a:ext cx="9371536" cy="5666189"/>
           </a:xfrm>
         </p:spPr>
         <p:txBody>
@@ -6350,156 +6350,156 @@
           <a:lstStyle/>
           <a:p>
             <a:r>
-              <a:rPr lang="ar-EG" sz="4000" dirty="0" smtClean="0">
+              <a:rPr lang="ar-EG" sz="3000" dirty="0" smtClean="0">
                 <a:latin typeface="Ara Hamah Alislam" panose="00000500000000000000" pitchFamily="2" charset="-78"/>
                 <a:cs typeface="Ara Hamah Alislam" panose="00000500000000000000" pitchFamily="2" charset="-78"/>
               </a:rPr>
               <a:t>مركبات المصباح </a:t>
             </a:r>
-            <a:endParaRPr lang="he-IL" sz="4000" dirty="0" smtClean="0">
+            <a:endParaRPr lang="he-IL" sz="3000" dirty="0" smtClean="0">
               <a:latin typeface="Ara Hamah Alislam" panose="00000500000000000000" pitchFamily="2" charset="-78"/>
             </a:endParaRPr>
           </a:p>
           <a:p>
             <a:pPr lvl="1"/>
             <a:r>
-              <a:rPr lang="he-IL" sz="3200" dirty="0">
+              <a:rPr lang="he-IL" sz="3000" dirty="0">
                 <a:latin typeface="Ara Hamah Alislam" panose="00000500000000000000" pitchFamily="2" charset="-78"/>
               </a:rPr>
               <a:t> </a:t>
             </a:r>
             <a:r>
-              <a:rPr lang="ar-EG" sz="3200" dirty="0" smtClean="0">
+              <a:rPr lang="ar-EG" sz="3000" dirty="0" smtClean="0">
                 <a:latin typeface="Ara Hamah Alislam" panose="00000500000000000000" pitchFamily="2" charset="-78"/>
                 <a:cs typeface="Ara Hamah Alislam" panose="00000500000000000000" pitchFamily="2" charset="-78"/>
               </a:rPr>
               <a:t>مصباح – يضيئ عندما يتلقى طاقة كهربائية </a:t>
             </a:r>
-            <a:endParaRPr lang="he-IL" sz="3200" dirty="0" smtClean="0">
+            <a:endParaRPr lang="he-IL" sz="3000" dirty="0" smtClean="0">
               <a:latin typeface="Ara Hamah Alislam" panose="00000500000000000000" pitchFamily="2" charset="-78"/>
             </a:endParaRPr>
           </a:p>
           <a:p>
             <a:pPr lvl="1"/>
             <a:r>
-              <a:rPr lang="ar-EG" sz="3200" dirty="0" smtClean="0">
+              <a:rPr lang="ar-EG" sz="3000" dirty="0" smtClean="0">
                 <a:latin typeface="Ara Hamah Alislam" panose="00000500000000000000" pitchFamily="2" charset="-78"/>
                 <a:cs typeface="Ara Hamah Alislam" panose="00000500000000000000" pitchFamily="2" charset="-78"/>
               </a:rPr>
               <a:t>بيت المصباح – يوصل بسلك ويزود المصباح بالكهرباء</a:t>
             </a:r>
-            <a:endParaRPr lang="he-IL" sz="3200" dirty="0" smtClean="0">
+            <a:endParaRPr lang="he-IL" sz="3000" dirty="0" smtClean="0">
               <a:latin typeface="Ara Hamah Alislam" panose="00000500000000000000" pitchFamily="2" charset="-78"/>
             </a:endParaRPr>
           </a:p>
           <a:p>
             <a:r>
-              <a:rPr lang="he-IL" sz="3200" dirty="0" smtClean="0">
+              <a:rPr lang="he-IL" sz="3000" dirty="0" smtClean="0">
                 <a:latin typeface="Ara Hamah Alislam" panose="00000500000000000000" pitchFamily="2" charset="-78"/>
               </a:rPr>
               <a:t> </a:t>
             </a:r>
             <a:r>
-              <a:rPr lang="ar-EG" sz="3200" dirty="0" smtClean="0">
+              <a:rPr lang="ar-EG" sz="3000" dirty="0" smtClean="0">
                 <a:latin typeface="Ara Hamah Alislam" panose="00000500000000000000" pitchFamily="2" charset="-78"/>
                 <a:cs typeface="Ara Hamah Alislam" panose="00000500000000000000" pitchFamily="2" charset="-78"/>
               </a:rPr>
               <a:t>تركيب المصباح على الروبوت </a:t>
             </a:r>
-            <a:endParaRPr lang="he-IL" sz="3200" dirty="0" smtClean="0">
+            <a:endParaRPr lang="he-IL" sz="3000" dirty="0" smtClean="0">
               <a:latin typeface="Ara Hamah Alislam" panose="00000500000000000000" pitchFamily="2" charset="-78"/>
             </a:endParaRPr>
           </a:p>
           <a:p>
             <a:r>
-              <a:rPr lang="ar-EG" sz="4000" dirty="0" smtClean="0">
+              <a:rPr lang="ar-EG" sz="3000" dirty="0" smtClean="0">
                 <a:latin typeface="Ara Hamah Alislam" panose="00000500000000000000" pitchFamily="2" charset="-78"/>
                 <a:cs typeface="Ara Hamah Alislam" panose="00000500000000000000" pitchFamily="2" charset="-78"/>
               </a:rPr>
               <a:t>وصل المصباح بالأسلاك </a:t>
             </a:r>
-            <a:endParaRPr lang="he-IL" sz="4000" dirty="0" smtClean="0">
+            <a:endParaRPr lang="he-IL" sz="3000" dirty="0" smtClean="0">
               <a:latin typeface="Ara Hamah Alislam" panose="00000500000000000000" pitchFamily="2" charset="-78"/>
             </a:endParaRPr>
           </a:p>
           <a:p>
             <a:pPr lvl="1"/>
             <a:r>
-              <a:rPr lang="ar-EG" sz="3200" dirty="0" smtClean="0">
+              <a:rPr lang="ar-EG" sz="3000" dirty="0" smtClean="0">
                 <a:latin typeface="Ara Hamah Alislam" panose="00000500000000000000" pitchFamily="2" charset="-78"/>
                 <a:cs typeface="Ara Hamah Alislam" panose="00000500000000000000" pitchFamily="2" charset="-78"/>
               </a:rPr>
               <a:t>المصباح هو </a:t>
             </a:r>
             <a:r>
-              <a:rPr lang="ar-EG" sz="3200" dirty="0">
+              <a:rPr lang="ar-EG" sz="3000" dirty="0">
                 <a:latin typeface="Ara Hamah Alislam" panose="00000500000000000000" pitchFamily="2" charset="-78"/>
                 <a:cs typeface="Ara Hamah Alislam" panose="00000500000000000000" pitchFamily="2" charset="-78"/>
               </a:rPr>
               <a:t>عنصر من فئة مُخرج </a:t>
             </a:r>
             <a:r>
-              <a:rPr lang="ar-EG" sz="3200" dirty="0" smtClean="0">
+              <a:rPr lang="ar-EG" sz="3000" dirty="0" smtClean="0">
                 <a:latin typeface="Ara Hamah Alislam" panose="00000500000000000000" pitchFamily="2" charset="-78"/>
                 <a:cs typeface="Ara Hamah Alislam" panose="00000500000000000000" pitchFamily="2" charset="-78"/>
               </a:rPr>
               <a:t> يحتاج للكهرباء مثل المحرك</a:t>
             </a:r>
-            <a:endParaRPr lang="he-IL" sz="3200" dirty="0" smtClean="0">
+            <a:endParaRPr lang="he-IL" sz="3000" dirty="0" smtClean="0">
               <a:latin typeface="Ara Hamah Alislam" panose="00000500000000000000" pitchFamily="2" charset="-78"/>
             </a:endParaRPr>
           </a:p>
           <a:p>
             <a:pPr lvl="2"/>
             <a:r>
-              <a:rPr lang="ar-EG" sz="3200" dirty="0">
+              <a:rPr lang="ar-EG" sz="3000" dirty="0">
                 <a:latin typeface="Ara Hamah Alislam" panose="00000500000000000000" pitchFamily="2" charset="-78"/>
                 <a:cs typeface="Ara Hamah Alislam" panose="00000500000000000000" pitchFamily="2" charset="-78"/>
               </a:rPr>
               <a:t> </a:t>
             </a:r>
             <a:r>
-              <a:rPr lang="ar-EG" sz="3200" dirty="0" smtClean="0">
+              <a:rPr lang="ar-EG" sz="3000" dirty="0" smtClean="0">
                 <a:latin typeface="Ara Hamah Alislam" panose="00000500000000000000" pitchFamily="2" charset="-78"/>
                 <a:cs typeface="Ara Hamah Alislam" panose="00000500000000000000" pitchFamily="2" charset="-78"/>
               </a:rPr>
               <a:t>وصل أساسي : الى احدى مخارج المُخرج المزدوجة </a:t>
             </a:r>
             <a:r>
-              <a:rPr lang="en-US" sz="3200" dirty="0" smtClean="0">
+              <a:rPr lang="en-US" sz="3000" dirty="0" smtClean="0">
                 <a:latin typeface="Aharoni" panose="02010803020104030203" pitchFamily="2" charset="-79"/>
                 <a:cs typeface="Aharoni" panose="02010803020104030203" pitchFamily="2" charset="-79"/>
               </a:rPr>
               <a:t>M1-M4</a:t>
             </a:r>
-            <a:endParaRPr lang="he-IL" sz="3200" dirty="0">
+            <a:endParaRPr lang="he-IL" sz="3000" dirty="0">
               <a:latin typeface="Ara Hamah Alislam" panose="00000500000000000000" pitchFamily="2" charset="-78"/>
             </a:endParaRPr>
           </a:p>
           <a:p>
             <a:pPr lvl="2"/>
             <a:r>
-              <a:rPr lang="ar-EG" sz="3200" dirty="0" smtClean="0">
+              <a:rPr lang="ar-EG" sz="3000" dirty="0" smtClean="0">
                 <a:latin typeface="Ara Hamah Alislam" panose="00000500000000000000" pitchFamily="2" charset="-78"/>
                 <a:cs typeface="Ara Hamah Alislam" panose="00000500000000000000" pitchFamily="2" charset="-78"/>
               </a:rPr>
               <a:t>وصل متقدم : وصل الأول الى  مخرج المُخرج </a:t>
             </a:r>
             <a:r>
-              <a:rPr lang="en-US" sz="3200" dirty="0" smtClean="0">
+              <a:rPr lang="en-US" sz="3000" dirty="0" smtClean="0">
                 <a:latin typeface="Aharoni" panose="02010803020104030203" pitchFamily="2" charset="-79"/>
                 <a:cs typeface="Aharoni" panose="02010803020104030203" pitchFamily="2" charset="-79"/>
               </a:rPr>
               <a:t>01-08 </a:t>
             </a:r>
             <a:r>
-              <a:rPr lang="ar-EG" sz="3200" dirty="0" smtClean="0">
+              <a:rPr lang="ar-EG" sz="3000" dirty="0" smtClean="0">
                 <a:latin typeface="Ara Hamah Alislam" panose="00000500000000000000" pitchFamily="2" charset="-78"/>
                 <a:cs typeface="Ara Hamah Alislam" panose="00000500000000000000" pitchFamily="2" charset="-78"/>
               </a:rPr>
               <a:t> في المتحكم  والثاني الى مدخل أي المؤرض في المتحكم </a:t>
             </a:r>
-            <a:endParaRPr lang="he-IL" sz="3200" dirty="0" smtClean="0">
+            <a:endParaRPr lang="he-IL" sz="3000" dirty="0" smtClean="0">
               <a:latin typeface="Ara Hamah Alislam" panose="00000500000000000000" pitchFamily="2" charset="-78"/>
             </a:endParaRPr>
           </a:p>
@@ -6521,7 +6521,7 @@
         </p:blipFill>
         <p:spPr>
           <a:xfrm>
-            <a:off x="490654" y="1680114"/>
+            <a:off x="703091" y="1366077"/>
             <a:ext cx="758283" cy="1071075"/>
           </a:xfrm>
           <a:prstGeom prst="rect">
@@ -6545,7 +6545,7 @@
         </p:blipFill>
         <p:spPr>
           <a:xfrm>
-            <a:off x="334535" y="3323063"/>
+            <a:off x="546971" y="2787354"/>
             <a:ext cx="1059365" cy="1059365"/>
           </a:xfrm>
           <a:prstGeom prst="rect">
@@ -6569,7 +6569,7 @@
         </p:blipFill>
         <p:spPr>
           <a:xfrm>
-            <a:off x="345119" y="4771960"/>
+            <a:off x="428247" y="5714069"/>
             <a:ext cx="1121700" cy="1000653"/>
           </a:xfrm>
           <a:prstGeom prst="rect">
@@ -6580,7 +6580,7 @@
     </p:spTree>
     <p:extLst>
       <p:ext uri="{BB962C8B-B14F-4D97-AF65-F5344CB8AC3E}">
-        <p14:creationId xmlns:p14="http://schemas.microsoft.com/office/powerpoint/2010/main" val="2508929371"/>
+        <p14:creationId xmlns:p14="http://schemas.microsoft.com/office/powerpoint/2010/main" xmlns="" val="2508929371"/>
       </p:ext>
     </p:extLst>
   </p:cSld>
@@ -6632,7 +6632,7 @@
         </p:spPr>
         <p:txBody>
           <a:bodyPr>
-            <a:normAutofit/>
+            <a:normAutofit fontScale="90000"/>
           </a:bodyPr>
           <a:lstStyle/>
           <a:p>
@@ -6722,16 +6722,30 @@
             </a:r>
             <a:r>
               <a:rPr lang="he-IL" sz="3600" dirty="0" smtClean="0">
-                <a:latin typeface="Ara Hamah Alislam" panose="00000500000000000000" pitchFamily="2" charset="-78"/>
+                <a:latin typeface="Arial" pitchFamily="34" charset="0"/>
+                <a:cs typeface="Arial" pitchFamily="34" charset="0"/>
               </a:rPr>
               <a:t> </a:t>
             </a:r>
             <a:r>
               <a:rPr lang="en-US" sz="3600" dirty="0" smtClean="0">
+                <a:latin typeface="Arial" pitchFamily="34" charset="0"/>
+                <a:cs typeface="Arial" pitchFamily="34" charset="0"/>
+              </a:rPr>
+              <a:t>FTSCRACHTXT</a:t>
+            </a:r>
+            <a:r>
+              <a:rPr lang="he-IL" sz="3600" dirty="0" smtClean="0">
+                <a:latin typeface="Ara Hamah Alislam" panose="00000500000000000000" pitchFamily="2" charset="-78"/>
+              </a:rPr>
+              <a:t> </a:t>
+            </a:r>
+            <a:r>
+              <a:rPr lang="ar-EG" sz="3600" dirty="0" smtClean="0">
                 <a:latin typeface="Ara Hamah Alislam" panose="00000500000000000000" pitchFamily="2" charset="-78"/>
                 <a:cs typeface="Ara Hamah Alislam" panose="00000500000000000000" pitchFamily="2" charset="-78"/>
               </a:rPr>
-              <a:t>FTSCRACHTXT</a:t>
+              <a:t>واختيار امكانية</a:t>
             </a:r>
             <a:r>
               <a:rPr lang="he-IL" sz="3600" dirty="0" smtClean="0">
@@ -6744,60 +6758,47 @@
                 <a:latin typeface="Ara Hamah Alislam" panose="00000500000000000000" pitchFamily="2" charset="-78"/>
                 <a:cs typeface="Ara Hamah Alislam" panose="00000500000000000000" pitchFamily="2" charset="-78"/>
               </a:rPr>
-              <a:t>واختيار امكانية</a:t>
+              <a:t>الارتباط بواسطة </a:t>
+            </a:r>
+            <a:r>
+              <a:rPr lang="en-US" sz="3600" dirty="0" smtClean="0">
+                <a:latin typeface="Ara Hamah Alislam" panose="00000500000000000000" pitchFamily="2" charset="-78"/>
+                <a:cs typeface="Ara Hamah Alislam" panose="00000500000000000000" pitchFamily="2" charset="-78"/>
+              </a:rPr>
+              <a:t>USB</a:t>
             </a:r>
             <a:r>
               <a:rPr lang="he-IL" sz="3600" dirty="0" smtClean="0">
                 <a:latin typeface="Ara Hamah Alislam" panose="00000500000000000000" pitchFamily="2" charset="-78"/>
               </a:rPr>
-              <a:t> </a:t>
+              <a:t> (</a:t>
             </a:r>
             <a:r>
               <a:rPr lang="ar-EG" sz="3600" dirty="0" smtClean="0">
                 <a:latin typeface="Ara Hamah Alislam" panose="00000500000000000000" pitchFamily="2" charset="-78"/>
                 <a:cs typeface="Ara Hamah Alislam" panose="00000500000000000000" pitchFamily="2" charset="-78"/>
               </a:rPr>
-              <a:t>الارتباط بواسطة </a:t>
+              <a:t>الاولى</a:t>
+            </a:r>
+            <a:r>
+              <a:rPr lang="he-IL" sz="3600" dirty="0" smtClean="0">
+                <a:latin typeface="Ara Hamah Alislam" panose="00000500000000000000" pitchFamily="2" charset="-78"/>
+              </a:rPr>
+              <a:t>)</a:t>
+            </a:r>
+          </a:p>
+          <a:p>
+            <a:r>
+              <a:rPr lang="ar-EG" sz="3600" dirty="0" smtClean="0">
+                <a:latin typeface="Ara Hamah Alislam" panose="00000500000000000000" pitchFamily="2" charset="-78"/>
+                <a:cs typeface="Ara Hamah Alislam" panose="00000500000000000000" pitchFamily="2" charset="-78"/>
+              </a:rPr>
+              <a:t> الدخول الى موقع </a:t>
             </a:r>
             <a:r>
               <a:rPr lang="en-US" sz="3600" dirty="0" smtClean="0">
-                <a:latin typeface="Ara Hamah Alislam" panose="00000500000000000000" pitchFamily="2" charset="-78"/>
-                <a:cs typeface="Ara Hamah Alislam" panose="00000500000000000000" pitchFamily="2" charset="-78"/>
-              </a:rPr>
-              <a:t>USB</a:t>
-            </a:r>
-            <a:r>
-              <a:rPr lang="he-IL" sz="3600" dirty="0" smtClean="0">
-                <a:latin typeface="Ara Hamah Alislam" panose="00000500000000000000" pitchFamily="2" charset="-78"/>
-              </a:rPr>
-              <a:t> (</a:t>
-            </a:r>
-            <a:r>
-              <a:rPr lang="ar-EG" sz="3600" dirty="0" smtClean="0">
-                <a:latin typeface="Ara Hamah Alislam" panose="00000500000000000000" pitchFamily="2" charset="-78"/>
-                <a:cs typeface="Ara Hamah Alislam" panose="00000500000000000000" pitchFamily="2" charset="-78"/>
-              </a:rPr>
-              <a:t>الاولى</a:t>
-            </a:r>
-            <a:r>
-              <a:rPr lang="he-IL" sz="3600" dirty="0" smtClean="0">
-                <a:latin typeface="Ara Hamah Alislam" panose="00000500000000000000" pitchFamily="2" charset="-78"/>
-              </a:rPr>
-              <a:t>)</a:t>
-            </a:r>
-          </a:p>
-          <a:p>
-            <a:r>
-              <a:rPr lang="ar-EG" sz="3600" dirty="0" smtClean="0">
-                <a:latin typeface="Ara Hamah Alislam" panose="00000500000000000000" pitchFamily="2" charset="-78"/>
-                <a:cs typeface="Ara Hamah Alislam" panose="00000500000000000000" pitchFamily="2" charset="-78"/>
-              </a:rPr>
-              <a:t> الدخول الى موقع </a:t>
-            </a:r>
-            <a:r>
-              <a:rPr lang="en-US" sz="3600" dirty="0" smtClean="0">
-                <a:latin typeface="Ara Hamah Alislam" panose="00000500000000000000" pitchFamily="2" charset="-78"/>
-                <a:cs typeface="Ara Hamah Alislam" panose="00000500000000000000" pitchFamily="2" charset="-78"/>
+                <a:latin typeface="Arial" pitchFamily="34" charset="0"/>
+                <a:cs typeface="Arial" pitchFamily="34" charset="0"/>
               </a:rPr>
               <a:t>ScratchX</a:t>
             </a:r>
@@ -6881,7 +6882,7 @@
         </p:blipFill>
         <p:spPr bwMode="auto">
           <a:xfrm>
-            <a:off x="3376973" y="4495279"/>
+            <a:off x="2915155" y="4495279"/>
             <a:ext cx="1791878" cy="1866333"/>
           </a:xfrm>
           <a:prstGeom prst="rect">
@@ -6913,7 +6914,7 @@
         </p:blipFill>
         <p:spPr bwMode="auto">
           <a:xfrm>
-            <a:off x="618186" y="4317050"/>
+            <a:off x="378040" y="4317050"/>
             <a:ext cx="2290489" cy="2222790"/>
           </a:xfrm>
           <a:prstGeom prst="rect">
@@ -6931,7 +6932,7 @@
     </p:spTree>
     <p:extLst>
       <p:ext uri="{BB962C8B-B14F-4D97-AF65-F5344CB8AC3E}">
-        <p14:creationId xmlns:p14="http://schemas.microsoft.com/office/powerpoint/2010/main" val="2661344110"/>
+        <p14:creationId xmlns:p14="http://schemas.microsoft.com/office/powerpoint/2010/main" xmlns="" val="2661344110"/>
       </p:ext>
     </p:extLst>
   </p:cSld>
@@ -6989,13 +6990,13 @@
           <a:p>
             <a:pPr algn="r"/>
             <a:r>
-              <a:rPr lang="ar-EG" sz="5400" b="1" dirty="0" smtClean="0">
+              <a:rPr lang="ar-EG" sz="4400" b="1" dirty="0" smtClean="0">
                 <a:latin typeface="Ara Hamah Alislam" panose="00000500000000000000" pitchFamily="2" charset="-78"/>
                 <a:cs typeface="Ara Hamah Alislam" panose="00000500000000000000" pitchFamily="2" charset="-78"/>
               </a:rPr>
               <a:t>برمجة الروبوت – أمر إضاءة المصباح </a:t>
             </a:r>
-            <a:endParaRPr lang="he-IL" sz="5400" b="1" dirty="0">
+            <a:endParaRPr lang="he-IL" sz="4400" b="1" dirty="0">
               <a:latin typeface="Ara Hamah Alislam" panose="00000500000000000000" pitchFamily="2" charset="-78"/>
             </a:endParaRPr>
           </a:p>
@@ -7024,18 +7025,18 @@
           <a:lstStyle/>
           <a:p>
             <a:r>
-              <a:rPr lang="he-IL" sz="3600" dirty="0" smtClean="0"/>
+              <a:rPr lang="he-IL" sz="3200" dirty="0" smtClean="0"/>
               <a:t> </a:t>
             </a:r>
             <a:r>
-              <a:rPr lang="ar-EG" sz="3600" b="1" dirty="0">
+              <a:rPr lang="ar-EG" sz="3200" b="1" dirty="0">
                 <a:latin typeface="Ara Hamah Alislam" panose="00000500000000000000" pitchFamily="2" charset="-78"/>
                 <a:cs typeface="Ara Hamah Alislam" panose="00000500000000000000" pitchFamily="2" charset="-78"/>
               </a:rPr>
               <a:t>أمر إضاءة </a:t>
             </a:r>
             <a:r>
-              <a:rPr lang="ar-EG" sz="3600" b="1" dirty="0" smtClean="0">
+              <a:rPr lang="ar-EG" sz="3200" b="1" dirty="0" smtClean="0">
                 <a:latin typeface="Ara Hamah Alislam" panose="00000500000000000000" pitchFamily="2" charset="-78"/>
                 <a:cs typeface="Ara Hamah Alislam" panose="00000500000000000000" pitchFamily="2" charset="-78"/>
               </a:rPr>
@@ -7046,177 +7047,163 @@
             <a:pPr marL="0" indent="0">
               <a:buNone/>
             </a:pPr>
+            <a:endParaRPr lang="he-IL" sz="3200" dirty="0" smtClean="0">
+              <a:latin typeface="Ara Hamah Alislam" panose="00000500000000000000" pitchFamily="2" charset="-78"/>
+            </a:endParaRPr>
+          </a:p>
+          <a:p>
+            <a:endParaRPr lang="he-IL" sz="3200" dirty="0" smtClean="0">
+              <a:latin typeface="Ara Hamah Alislam" panose="00000500000000000000" pitchFamily="2" charset="-78"/>
+            </a:endParaRPr>
+          </a:p>
+          <a:p>
+            <a:pPr lvl="1"/>
+            <a:r>
+              <a:rPr lang="he-IL" sz="3200" dirty="0" smtClean="0">
+                <a:latin typeface="Ara Hamah Alislam" panose="00000500000000000000" pitchFamily="2" charset="-78"/>
+              </a:rPr>
+              <a:t> </a:t>
+            </a:r>
+            <a:r>
+              <a:rPr lang="ar-EG" sz="3200" dirty="0" smtClean="0">
+                <a:latin typeface="Ara Hamah Alislam" panose="00000500000000000000" pitchFamily="2" charset="-78"/>
+                <a:cs typeface="Ara Hamah Alislam" panose="00000500000000000000" pitchFamily="2" charset="-78"/>
+              </a:rPr>
+              <a:t>اختيار أي مَدخَل للمُخرَج لوصل المصباح به  </a:t>
+            </a:r>
+            <a:endParaRPr lang="he-IL" sz="3200" dirty="0" smtClean="0">
+              <a:latin typeface="Ara Hamah Alislam" panose="00000500000000000000" pitchFamily="2" charset="-78"/>
+            </a:endParaRPr>
+          </a:p>
+          <a:p>
+            <a:pPr lvl="1"/>
+            <a:r>
+              <a:rPr lang="he-IL" sz="3200" dirty="0" smtClean="0">
+                <a:latin typeface="Ara Hamah Alislam" panose="00000500000000000000" pitchFamily="2" charset="-78"/>
+              </a:rPr>
+              <a:t> </a:t>
+            </a:r>
+            <a:r>
+              <a:rPr lang="ar-EG" sz="3200" dirty="0" smtClean="0">
+                <a:latin typeface="Ara Hamah Alislam" panose="00000500000000000000" pitchFamily="2" charset="-78"/>
+                <a:cs typeface="Ara Hamah Alislam" panose="00000500000000000000" pitchFamily="2" charset="-78"/>
+              </a:rPr>
+              <a:t>اختيار قوة السطوع للمصباح : </a:t>
+            </a:r>
+            <a:r>
+              <a:rPr lang="ar-EG" sz="3200" dirty="0" smtClean="0">
+                <a:latin typeface="Aharoni" panose="02010803020104030203" pitchFamily="2" charset="-79"/>
+                <a:cs typeface="Ara Hamah Alislam" panose="00000500000000000000" pitchFamily="2" charset="-78"/>
+              </a:rPr>
+              <a:t>   </a:t>
+            </a:r>
+            <a:r>
+              <a:rPr lang="en-US" sz="3600" dirty="0" smtClean="0">
+                <a:latin typeface="Aharoni" panose="02010803020104030203" pitchFamily="2" charset="-79"/>
+                <a:cs typeface="Ara Hamah Alislam" panose="00000500000000000000" pitchFamily="2" charset="-78"/>
+              </a:rPr>
+              <a:t>0 - 8</a:t>
+            </a:r>
+            <a:endParaRPr lang="he-IL" sz="3600" dirty="0" smtClean="0">
+              <a:latin typeface="Aharoni" panose="02010803020104030203" pitchFamily="2" charset="-79"/>
+              <a:cs typeface="Aharoni" panose="02010803020104030203" pitchFamily="2" charset="-79"/>
+            </a:endParaRPr>
+          </a:p>
+          <a:p>
+            <a:pPr lvl="2"/>
+            <a:r>
+              <a:rPr lang="he-IL" sz="3200" dirty="0" smtClean="0">
+                <a:latin typeface="Ara Hamah Alislam" panose="00000500000000000000" pitchFamily="2" charset="-78"/>
+              </a:rPr>
+              <a:t> </a:t>
+            </a:r>
+            <a:r>
+              <a:rPr lang="ar-EG" sz="3200" dirty="0" smtClean="0">
+                <a:latin typeface="Ara Hamah Alislam" panose="00000500000000000000" pitchFamily="2" charset="-78"/>
+                <a:cs typeface="Ara Hamah Alislam" panose="00000500000000000000" pitchFamily="2" charset="-78"/>
+              </a:rPr>
+              <a:t>قوة سطوع </a:t>
+            </a:r>
+            <a:r>
+              <a:rPr lang="he-IL" sz="3600" dirty="0" smtClean="0">
+                <a:latin typeface="Aharoni" panose="02010803020104030203" pitchFamily="2" charset="-79"/>
+                <a:cs typeface="Aharoni" panose="02010803020104030203" pitchFamily="2" charset="-79"/>
+              </a:rPr>
+              <a:t>0</a:t>
+            </a:r>
+            <a:r>
+              <a:rPr lang="ar-EG" sz="3200" dirty="0" smtClean="0">
+                <a:latin typeface="Aharoni" panose="02010803020104030203" pitchFamily="2" charset="-79"/>
+                <a:cs typeface="Ara Hamah Alislam" panose="00000500000000000000" pitchFamily="2" charset="-78"/>
+              </a:rPr>
+              <a:t> </a:t>
+            </a:r>
+            <a:r>
+              <a:rPr lang="ar-EG" sz="3200" dirty="0" smtClean="0">
+                <a:latin typeface="Ara Hamah Alislam" panose="00000500000000000000" pitchFamily="2" charset="-78"/>
+                <a:cs typeface="Ara Hamah Alislam" panose="00000500000000000000" pitchFamily="2" charset="-78"/>
+              </a:rPr>
+              <a:t>= إطفاء المصباح </a:t>
+            </a:r>
+            <a:endParaRPr lang="he-IL" sz="3200" dirty="0" smtClean="0">
+              <a:latin typeface="Ara Hamah Alislam" panose="00000500000000000000" pitchFamily="2" charset="-78"/>
+            </a:endParaRPr>
+          </a:p>
+          <a:p>
+            <a:r>
+              <a:rPr lang="he-IL" sz="3200" dirty="0" smtClean="0">
+                <a:latin typeface="Ara Hamah Alislam" panose="00000500000000000000" pitchFamily="2" charset="-78"/>
+              </a:rPr>
+              <a:t> </a:t>
+            </a:r>
+            <a:r>
+              <a:rPr lang="ar-EG" sz="3200" dirty="0" smtClean="0">
+                <a:latin typeface="Ara Hamah Alislam" panose="00000500000000000000" pitchFamily="2" charset="-78"/>
+                <a:cs typeface="Ara Hamah Alislam" panose="00000500000000000000" pitchFamily="2" charset="-78"/>
+              </a:rPr>
+              <a:t>أضيئوا المصباح وافحصوا كيف تتغير قوة السطوع بين </a:t>
+            </a:r>
+            <a:r>
+              <a:rPr lang="he-IL" sz="3600" dirty="0" smtClean="0">
+                <a:latin typeface="Aharoni" panose="02010803020104030203" pitchFamily="2" charset="-79"/>
+                <a:cs typeface="Aharoni" panose="02010803020104030203" pitchFamily="2" charset="-79"/>
+              </a:rPr>
+              <a:t>0 </a:t>
+            </a:r>
+            <a:r>
+              <a:rPr lang="ar-EG" sz="3600" dirty="0" smtClean="0">
+                <a:latin typeface="Ara Hamah Alislam" panose="00000500000000000000" pitchFamily="2" charset="-78"/>
+                <a:cs typeface="Ara Hamah Alislam" panose="00000500000000000000" pitchFamily="2" charset="-78"/>
+              </a:rPr>
+              <a:t>و</a:t>
+            </a:r>
+            <a:r>
+              <a:rPr lang="ar-EG" sz="3600" dirty="0" smtClean="0">
+                <a:latin typeface="Aharoni" panose="02010803020104030203" pitchFamily="2" charset="-79"/>
+                <a:cs typeface="Aharoni" panose="02010803020104030203" pitchFamily="2" charset="-79"/>
+              </a:rPr>
+              <a:t> 8</a:t>
+            </a:r>
             <a:endParaRPr lang="he-IL" sz="3600" dirty="0" smtClean="0">
               <a:latin typeface="Ara Hamah Alislam" panose="00000500000000000000" pitchFamily="2" charset="-78"/>
             </a:endParaRPr>
           </a:p>
           <a:p>
-            <a:endParaRPr lang="he-IL" sz="3600" dirty="0" smtClean="0">
-              <a:latin typeface="Ara Hamah Alislam" panose="00000500000000000000" pitchFamily="2" charset="-78"/>
-            </a:endParaRPr>
-          </a:p>
-          <a:p>
-            <a:pPr lvl="1"/>
-            <a:r>
-              <a:rPr lang="he-IL" sz="3600" dirty="0" smtClean="0">
-                <a:latin typeface="Ara Hamah Alislam" panose="00000500000000000000" pitchFamily="2" charset="-78"/>
+            <a:r>
+              <a:rPr lang="ar-EG" sz="3200" dirty="0">
+                <a:latin typeface="Ara Hamah Alislam" panose="00000500000000000000" pitchFamily="2" charset="-78"/>
+                <a:cs typeface="Ara Hamah Alislam" panose="00000500000000000000" pitchFamily="2" charset="-78"/>
               </a:rPr>
               <a:t> </a:t>
             </a:r>
             <a:r>
-              <a:rPr lang="ar-EG" sz="3600" dirty="0" smtClean="0">
+              <a:rPr lang="ar-EG" sz="3200" dirty="0" smtClean="0">
                 <a:latin typeface="Ara Hamah Alislam" panose="00000500000000000000" pitchFamily="2" charset="-78"/>
                 <a:cs typeface="Ara Hamah Alislam" panose="00000500000000000000" pitchFamily="2" charset="-78"/>
               </a:rPr>
-              <a:t>اختيار أي مَدخَل للمُخرَج لوصل المصباح به  </a:t>
-            </a:r>
-            <a:endParaRPr lang="he-IL" sz="3600" dirty="0" smtClean="0">
-              <a:latin typeface="Ara Hamah Alislam" panose="00000500000000000000" pitchFamily="2" charset="-78"/>
-            </a:endParaRPr>
-          </a:p>
-          <a:p>
-            <a:pPr lvl="1"/>
-            <a:r>
-              <a:rPr lang="he-IL" sz="3600" dirty="0" smtClean="0">
-                <a:latin typeface="Ara Hamah Alislam" panose="00000500000000000000" pitchFamily="2" charset="-78"/>
-              </a:rPr>
-              <a:t> </a:t>
-            </a:r>
-            <a:r>
-              <a:rPr lang="ar-EG" sz="3600" dirty="0" smtClean="0">
-                <a:latin typeface="Ara Hamah Alislam" panose="00000500000000000000" pitchFamily="2" charset="-78"/>
-                <a:cs typeface="Ara Hamah Alislam" panose="00000500000000000000" pitchFamily="2" charset="-78"/>
-              </a:rPr>
-              <a:t>اختيار قوة </a:t>
-            </a:r>
-            <a:r>
-              <a:rPr lang="ar-EG" sz="3600" dirty="0" smtClean="0">
-                <a:latin typeface="Ara Hamah Alislam" panose="00000500000000000000" pitchFamily="2" charset="-78"/>
-                <a:cs typeface="Ara Hamah Alislam" panose="00000500000000000000" pitchFamily="2" charset="-78"/>
-              </a:rPr>
-              <a:t>السطوع للمصباح </a:t>
-            </a:r>
-            <a:r>
-              <a:rPr lang="ar-EG" sz="3600" dirty="0" smtClean="0">
-                <a:latin typeface="Ara Hamah Alislam" panose="00000500000000000000" pitchFamily="2" charset="-78"/>
-                <a:cs typeface="Ara Hamah Alislam" panose="00000500000000000000" pitchFamily="2" charset="-78"/>
-              </a:rPr>
-              <a:t>: </a:t>
-            </a:r>
-            <a:r>
-              <a:rPr lang="ar-EG" sz="3600" dirty="0" smtClean="0">
-                <a:latin typeface="Aharoni" panose="02010803020104030203" pitchFamily="2" charset="-79"/>
-                <a:cs typeface="Ara Hamah Alislam" panose="00000500000000000000" pitchFamily="2" charset="-78"/>
-              </a:rPr>
-              <a:t>   </a:t>
-            </a:r>
-            <a:r>
-              <a:rPr lang="en-US" sz="4000" dirty="0" smtClean="0">
-                <a:latin typeface="Aharoni" panose="02010803020104030203" pitchFamily="2" charset="-79"/>
-                <a:cs typeface="Ara Hamah Alislam" panose="00000500000000000000" pitchFamily="2" charset="-78"/>
-              </a:rPr>
-              <a:t>0 - 8</a:t>
-            </a:r>
-            <a:endParaRPr lang="he-IL" sz="4000" dirty="0" smtClean="0">
-              <a:latin typeface="Aharoni" panose="02010803020104030203" pitchFamily="2" charset="-79"/>
-              <a:cs typeface="Aharoni" panose="02010803020104030203" pitchFamily="2" charset="-79"/>
-            </a:endParaRPr>
-          </a:p>
-          <a:p>
-            <a:pPr lvl="2"/>
-            <a:r>
-              <a:rPr lang="he-IL" sz="3600" dirty="0" smtClean="0">
-                <a:latin typeface="Ara Hamah Alislam" panose="00000500000000000000" pitchFamily="2" charset="-78"/>
-              </a:rPr>
-              <a:t> </a:t>
-            </a:r>
-            <a:r>
-              <a:rPr lang="ar-EG" sz="3600" dirty="0" smtClean="0">
-                <a:latin typeface="Ara Hamah Alislam" panose="00000500000000000000" pitchFamily="2" charset="-78"/>
-                <a:cs typeface="Ara Hamah Alislam" panose="00000500000000000000" pitchFamily="2" charset="-78"/>
-              </a:rPr>
-              <a:t>قوة سطوع </a:t>
-            </a:r>
-            <a:r>
-              <a:rPr lang="he-IL" sz="4000" dirty="0" smtClean="0">
-                <a:latin typeface="Aharoni" panose="02010803020104030203" pitchFamily="2" charset="-79"/>
-                <a:cs typeface="Aharoni" panose="02010803020104030203" pitchFamily="2" charset="-79"/>
-              </a:rPr>
-              <a:t>0</a:t>
-            </a:r>
-            <a:r>
-              <a:rPr lang="ar-EG" sz="3600" dirty="0" smtClean="0">
-                <a:latin typeface="Aharoni" panose="02010803020104030203" pitchFamily="2" charset="-79"/>
-                <a:cs typeface="Ara Hamah Alislam" panose="00000500000000000000" pitchFamily="2" charset="-78"/>
-              </a:rPr>
-              <a:t> </a:t>
-            </a:r>
-            <a:r>
-              <a:rPr lang="ar-EG" sz="3600" dirty="0" smtClean="0">
-                <a:latin typeface="Ara Hamah Alislam" panose="00000500000000000000" pitchFamily="2" charset="-78"/>
-                <a:cs typeface="Ara Hamah Alislam" panose="00000500000000000000" pitchFamily="2" charset="-78"/>
-              </a:rPr>
-              <a:t>= إطفاء المصباح </a:t>
-            </a:r>
-            <a:endParaRPr lang="he-IL" sz="3600" dirty="0" smtClean="0">
-              <a:latin typeface="Ara Hamah Alislam" panose="00000500000000000000" pitchFamily="2" charset="-78"/>
-            </a:endParaRPr>
-          </a:p>
-          <a:p>
-            <a:r>
-              <a:rPr lang="he-IL" sz="3600" dirty="0" smtClean="0">
-                <a:latin typeface="Ara Hamah Alislam" panose="00000500000000000000" pitchFamily="2" charset="-78"/>
-              </a:rPr>
-              <a:t> </a:t>
-            </a:r>
-            <a:r>
-              <a:rPr lang="ar-EG" sz="3600" dirty="0" smtClean="0">
-                <a:latin typeface="Ara Hamah Alislam" panose="00000500000000000000" pitchFamily="2" charset="-78"/>
-                <a:cs typeface="Ara Hamah Alislam" panose="00000500000000000000" pitchFamily="2" charset="-78"/>
-              </a:rPr>
-              <a:t>أضيئوا المصباح وافحصوا كيف تتغير قوة السطوع بين </a:t>
-            </a:r>
-            <a:r>
-              <a:rPr lang="he-IL" sz="4000" dirty="0" smtClean="0">
-                <a:latin typeface="Aharoni" panose="02010803020104030203" pitchFamily="2" charset="-79"/>
-                <a:cs typeface="Aharoni" panose="02010803020104030203" pitchFamily="2" charset="-79"/>
-              </a:rPr>
-              <a:t>0 </a:t>
-            </a:r>
-            <a:r>
-              <a:rPr lang="ar-EG" sz="4000" dirty="0" smtClean="0">
-                <a:latin typeface="Ara Hamah Alislam" panose="00000500000000000000" pitchFamily="2" charset="-78"/>
-                <a:cs typeface="Ara Hamah Alislam" panose="00000500000000000000" pitchFamily="2" charset="-78"/>
-              </a:rPr>
-              <a:t>و</a:t>
-            </a:r>
-            <a:r>
-              <a:rPr lang="ar-EG" sz="4000" dirty="0" smtClean="0">
-                <a:latin typeface="Aharoni" panose="02010803020104030203" pitchFamily="2" charset="-79"/>
-                <a:cs typeface="Aharoni" panose="02010803020104030203" pitchFamily="2" charset="-79"/>
-              </a:rPr>
-              <a:t> 8</a:t>
-            </a:r>
-            <a:endParaRPr lang="he-IL" sz="4000" dirty="0" smtClean="0">
-              <a:latin typeface="Ara Hamah Alislam" panose="00000500000000000000" pitchFamily="2" charset="-78"/>
-            </a:endParaRPr>
-          </a:p>
-          <a:p>
-            <a:r>
-              <a:rPr lang="ar-EG" sz="3600" dirty="0">
-                <a:latin typeface="Ara Hamah Alislam" panose="00000500000000000000" pitchFamily="2" charset="-78"/>
-                <a:cs typeface="Ara Hamah Alislam" panose="00000500000000000000" pitchFamily="2" charset="-78"/>
-              </a:rPr>
-              <a:t> </a:t>
-            </a:r>
-            <a:r>
-              <a:rPr lang="ar-EG" sz="3600" dirty="0" smtClean="0">
-                <a:latin typeface="Ara Hamah Alislam" panose="00000500000000000000" pitchFamily="2" charset="-78"/>
-                <a:cs typeface="Ara Hamah Alislam" panose="00000500000000000000" pitchFamily="2" charset="-78"/>
-              </a:rPr>
               <a:t>ابنوا سيناريو لجعل المصباح يَرتعش مرتين </a:t>
             </a:r>
-            <a:endParaRPr lang="he-IL" sz="3600" dirty="0" smtClean="0">
+            <a:endParaRPr lang="he-IL" sz="3200" dirty="0" smtClean="0">
               <a:latin typeface="Ara Hamah Alislam" panose="00000500000000000000" pitchFamily="2" charset="-78"/>
             </a:endParaRPr>
           </a:p>
@@ -7234,7 +7221,7 @@
           <a:blip r:embed="rId2">
             <a:extLst>
               <a:ext uri="{28A0092B-C50C-407E-A947-70E740481C1C}">
-                <a14:useLocalDpi xmlns:a14="http://schemas.microsoft.com/office/drawing/2010/main" val="0"/>
+                <a14:useLocalDpi xmlns:a14="http://schemas.microsoft.com/office/drawing/2010/main" xmlns="" val="0"/>
               </a:ext>
             </a:extLst>
           </a:blip>
@@ -7244,8 +7231,8 @@
         </p:blipFill>
         <p:spPr>
           <a:xfrm>
-            <a:off x="2007766" y="2007494"/>
-            <a:ext cx="6015771" cy="984110"/>
+            <a:off x="3254676" y="1785821"/>
+            <a:ext cx="4513107" cy="738292"/>
           </a:xfrm>
           <a:prstGeom prst="rect">
             <a:avLst/>
@@ -7255,7 +7242,7 @@
     </p:spTree>
     <p:extLst>
       <p:ext uri="{BB962C8B-B14F-4D97-AF65-F5344CB8AC3E}">
-        <p14:creationId xmlns:p14="http://schemas.microsoft.com/office/powerpoint/2010/main" val="999608912"/>
+        <p14:creationId xmlns:p14="http://schemas.microsoft.com/office/powerpoint/2010/main" xmlns="" val="999608912"/>
       </p:ext>
     </p:extLst>
   </p:cSld>
@@ -7313,31 +7300,31 @@
           <a:p>
             <a:pPr algn="ctr"/>
             <a:r>
-              <a:rPr lang="ar-EG" sz="5000" dirty="0" smtClean="0">
+              <a:rPr lang="ar-EG" sz="4400" dirty="0" smtClean="0">
                 <a:latin typeface="Ara Hamah Alislam" panose="00000500000000000000" pitchFamily="2" charset="-78"/>
                 <a:cs typeface="Ara Hamah Alislam" panose="00000500000000000000" pitchFamily="2" charset="-78"/>
               </a:rPr>
               <a:t>مسابقة في الصف !</a:t>
             </a:r>
             <a:r>
-              <a:rPr lang="he-IL" sz="5000" dirty="0">
+              <a:rPr lang="he-IL" sz="4400" dirty="0">
                 <a:latin typeface="Ara Hamah Alislam" panose="00000500000000000000" pitchFamily="2" charset="-78"/>
               </a:rPr>
               <a:t/>
             </a:r>
             <a:br>
-              <a:rPr lang="he-IL" sz="5000" dirty="0">
+              <a:rPr lang="he-IL" sz="4400" dirty="0">
                 <a:latin typeface="Ara Hamah Alislam" panose="00000500000000000000" pitchFamily="2" charset="-78"/>
               </a:rPr>
             </a:br>
             <a:r>
-              <a:rPr lang="ar-EG" sz="5000" dirty="0" smtClean="0">
+              <a:rPr lang="ar-EG" sz="4400" dirty="0" smtClean="0">
                 <a:latin typeface="Ara Hamah Alislam" panose="00000500000000000000" pitchFamily="2" charset="-78"/>
                 <a:cs typeface="Ara Hamah Alislam" panose="00000500000000000000" pitchFamily="2" charset="-78"/>
               </a:rPr>
               <a:t>أي مجوعة تنجح ببرمجة اجمل رقصة ؟</a:t>
             </a:r>
-            <a:endParaRPr lang="he-IL" sz="5000" dirty="0">
+            <a:endParaRPr lang="he-IL" sz="4400" dirty="0">
               <a:latin typeface="Ara Hamah Alislam" panose="00000500000000000000" pitchFamily="2" charset="-78"/>
             </a:endParaRPr>
           </a:p>
@@ -7355,155 +7342,155 @@
         </p:nvSpPr>
         <p:spPr>
           <a:xfrm>
-            <a:off x="-237067" y="1869643"/>
-            <a:ext cx="11043611" cy="4510375"/>
+            <a:off x="249382" y="1869643"/>
+            <a:ext cx="9439563" cy="4510375"/>
           </a:xfrm>
         </p:spPr>
         <p:txBody>
           <a:bodyPr>
-            <a:normAutofit fontScale="92500" lnSpcReduction="10000"/>
+            <a:noAutofit/>
           </a:bodyPr>
           <a:lstStyle/>
           <a:p>
             <a:r>
-              <a:rPr lang="ar-EG" sz="4400" dirty="0" smtClean="0">
+              <a:rPr lang="ar-EG" sz="3600" dirty="0" smtClean="0">
                 <a:latin typeface="Ara Hamah Alislam" panose="00000500000000000000" pitchFamily="2" charset="-78"/>
                 <a:cs typeface="Ara Hamah Alislam" panose="00000500000000000000" pitchFamily="2" charset="-78"/>
               </a:rPr>
               <a:t>كل مجموعة تختار اغنية (على كل أعضاء المجموعة الاشتراك باختيار الاغنية) – 1</a:t>
             </a:r>
             <a:r>
-              <a:rPr lang="he-IL" sz="4400" dirty="0" smtClean="0">
+              <a:rPr lang="he-IL" sz="3600" dirty="0" smtClean="0">
                 <a:latin typeface="Aharoni" panose="02010803020104030203" pitchFamily="2" charset="-79"/>
                 <a:cs typeface="Aharoni" panose="02010803020104030203" pitchFamily="2" charset="-79"/>
               </a:rPr>
               <a:t>0</a:t>
             </a:r>
             <a:r>
-              <a:rPr lang="ar-EG" sz="4400" dirty="0" smtClean="0">
+              <a:rPr lang="ar-EG" sz="3600" dirty="0" smtClean="0">
                 <a:latin typeface="Ara Hamah Alislam" panose="00000500000000000000" pitchFamily="2" charset="-78"/>
                 <a:cs typeface="Ara Hamah Alislam" panose="00000500000000000000" pitchFamily="2" charset="-78"/>
               </a:rPr>
               <a:t> نقاط</a:t>
             </a:r>
-            <a:endParaRPr lang="he-IL" sz="4400" dirty="0" smtClean="0">
+            <a:endParaRPr lang="he-IL" sz="3600" dirty="0" smtClean="0">
               <a:latin typeface="Ara Hamah Alislam" panose="00000500000000000000" pitchFamily="2" charset="-78"/>
             </a:endParaRPr>
           </a:p>
           <a:p>
             <a:r>
-              <a:rPr lang="ar-EG" sz="4400" dirty="0" smtClean="0">
+              <a:rPr lang="ar-EG" sz="3600" dirty="0" smtClean="0">
                 <a:latin typeface="Ara Hamah Alislam" panose="00000500000000000000" pitchFamily="2" charset="-78"/>
                 <a:cs typeface="Ara Hamah Alislam" panose="00000500000000000000" pitchFamily="2" charset="-78"/>
               </a:rPr>
               <a:t>على المجموعة برمجة الروبوت بحيث يتحرك ويرتعش المصباح حسب إيقاع الاغنية – </a:t>
             </a:r>
             <a:r>
-              <a:rPr lang="ar-EG" sz="4400" dirty="0" smtClean="0">
+              <a:rPr lang="ar-EG" sz="3600" dirty="0" smtClean="0">
                 <a:latin typeface="Aharoni" panose="02010803020104030203" pitchFamily="2" charset="-79"/>
                 <a:cs typeface="Ara Hamah Alislam" panose="00000500000000000000" pitchFamily="2" charset="-78"/>
               </a:rPr>
               <a:t>3</a:t>
             </a:r>
             <a:r>
-              <a:rPr lang="he-IL" sz="4400" dirty="0" smtClean="0">
+              <a:rPr lang="he-IL" sz="3600" dirty="0" smtClean="0">
                 <a:latin typeface="Aharoni" panose="02010803020104030203" pitchFamily="2" charset="-79"/>
                 <a:cs typeface="Aharoni" panose="02010803020104030203" pitchFamily="2" charset="-79"/>
               </a:rPr>
               <a:t>0</a:t>
             </a:r>
             <a:r>
-              <a:rPr lang="ar-EG" sz="4400" dirty="0" smtClean="0">
+              <a:rPr lang="ar-EG" sz="3600" dirty="0" smtClean="0">
                 <a:latin typeface="Ara Hamah Alislam" panose="00000500000000000000" pitchFamily="2" charset="-78"/>
                 <a:cs typeface="Ara Hamah Alislam" panose="00000500000000000000" pitchFamily="2" charset="-78"/>
               </a:rPr>
               <a:t> نقطة</a:t>
             </a:r>
-            <a:endParaRPr lang="he-IL" sz="4400" dirty="0" smtClean="0">
+            <a:endParaRPr lang="he-IL" sz="3600" dirty="0" smtClean="0">
               <a:latin typeface="Ara Hamah Alislam" panose="00000500000000000000" pitchFamily="2" charset="-78"/>
             </a:endParaRPr>
           </a:p>
           <a:p>
             <a:r>
-              <a:rPr lang="he-IL" sz="4400" dirty="0" smtClean="0">
+              <a:rPr lang="he-IL" sz="3600" dirty="0" smtClean="0">
                 <a:latin typeface="Ara Hamah Alislam" panose="00000500000000000000" pitchFamily="2" charset="-78"/>
               </a:rPr>
               <a:t> </a:t>
             </a:r>
             <a:r>
-              <a:rPr lang="ar-EG" sz="4400" dirty="0" smtClean="0">
+              <a:rPr lang="ar-EG" sz="3600" dirty="0" smtClean="0">
                 <a:latin typeface="Ara Hamah Alislam" panose="00000500000000000000" pitchFamily="2" charset="-78"/>
                 <a:cs typeface="Ara Hamah Alislam" panose="00000500000000000000" pitchFamily="2" charset="-78"/>
               </a:rPr>
               <a:t>على المجموعة برمجة الروبوت بحيث يُسمِع نغمات مقطعة ملائمة للاغنية – </a:t>
             </a:r>
             <a:r>
-              <a:rPr lang="ar-EG" sz="4400" dirty="0">
+              <a:rPr lang="ar-EG" sz="3600" dirty="0">
                 <a:latin typeface="Aharoni" panose="02010803020104030203" pitchFamily="2" charset="-79"/>
                 <a:cs typeface="Ara Hamah Alislam" panose="00000500000000000000" pitchFamily="2" charset="-78"/>
               </a:rPr>
               <a:t>3</a:t>
             </a:r>
             <a:r>
-              <a:rPr lang="he-IL" sz="4400" dirty="0">
+              <a:rPr lang="he-IL" sz="3600" dirty="0">
                 <a:latin typeface="Aharoni" panose="02010803020104030203" pitchFamily="2" charset="-79"/>
                 <a:cs typeface="Aharoni" panose="02010803020104030203" pitchFamily="2" charset="-79"/>
               </a:rPr>
               <a:t>0</a:t>
             </a:r>
             <a:r>
-              <a:rPr lang="ar-EG" sz="4400" dirty="0" smtClean="0">
+              <a:rPr lang="ar-EG" sz="3600" dirty="0" smtClean="0">
                 <a:latin typeface="Ara Hamah Alislam" panose="00000500000000000000" pitchFamily="2" charset="-78"/>
                 <a:cs typeface="Ara Hamah Alislam" panose="00000500000000000000" pitchFamily="2" charset="-78"/>
               </a:rPr>
               <a:t> نقطة </a:t>
             </a:r>
-            <a:endParaRPr lang="he-IL" sz="4400" dirty="0" smtClean="0">
+            <a:endParaRPr lang="he-IL" sz="3600" dirty="0" smtClean="0">
               <a:latin typeface="Ara Hamah Alislam" panose="00000500000000000000" pitchFamily="2" charset="-78"/>
             </a:endParaRPr>
           </a:p>
           <a:p>
             <a:r>
-              <a:rPr lang="ar-EG" sz="4400" dirty="0" smtClean="0">
+              <a:rPr lang="ar-EG" sz="3600" dirty="0" smtClean="0">
                 <a:latin typeface="Ara Hamah Alislam" panose="00000500000000000000" pitchFamily="2" charset="-78"/>
                 <a:cs typeface="Ara Hamah Alislam" panose="00000500000000000000" pitchFamily="2" charset="-78"/>
               </a:rPr>
               <a:t>على كل  أعضاء المجموعة الرقص مع الروبوت – </a:t>
             </a:r>
             <a:r>
-              <a:rPr lang="ar-EG" sz="4400" dirty="0">
+              <a:rPr lang="ar-EG" sz="3600" dirty="0">
                 <a:latin typeface="Aharoni" panose="02010803020104030203" pitchFamily="2" charset="-79"/>
                 <a:cs typeface="Ara Hamah Alislam" panose="00000500000000000000" pitchFamily="2" charset="-78"/>
               </a:rPr>
               <a:t>3</a:t>
             </a:r>
             <a:r>
-              <a:rPr lang="he-IL" sz="4400" dirty="0">
+              <a:rPr lang="he-IL" sz="3600" dirty="0">
                 <a:latin typeface="Aharoni" panose="02010803020104030203" pitchFamily="2" charset="-79"/>
                 <a:cs typeface="Aharoni" panose="02010803020104030203" pitchFamily="2" charset="-79"/>
               </a:rPr>
               <a:t>0</a:t>
             </a:r>
             <a:r>
-              <a:rPr lang="ar-EG" sz="4400" dirty="0" smtClean="0">
+              <a:rPr lang="ar-EG" sz="3600" dirty="0" smtClean="0">
                 <a:latin typeface="Ara Hamah Alislam" panose="00000500000000000000" pitchFamily="2" charset="-78"/>
                 <a:cs typeface="Ara Hamah Alislam" panose="00000500000000000000" pitchFamily="2" charset="-78"/>
               </a:rPr>
               <a:t> نقطة </a:t>
             </a:r>
-            <a:endParaRPr lang="he-IL" sz="4400" dirty="0" smtClean="0">
+            <a:endParaRPr lang="he-IL" sz="3600" dirty="0" smtClean="0">
               <a:latin typeface="Ara Hamah Alislam" panose="00000500000000000000" pitchFamily="2" charset="-78"/>
             </a:endParaRPr>
           </a:p>
           <a:p>
-            <a:endParaRPr lang="he-IL" dirty="0"/>
+            <a:endParaRPr lang="he-IL" sz="1400" dirty="0"/>
           </a:p>
         </p:txBody>
       </p:sp>
     </p:spTree>
     <p:extLst>
       <p:ext uri="{BB962C8B-B14F-4D97-AF65-F5344CB8AC3E}">
-        <p14:creationId xmlns:p14="http://schemas.microsoft.com/office/powerpoint/2010/main" val="999608912"/>
+        <p14:creationId xmlns:p14="http://schemas.microsoft.com/office/powerpoint/2010/main" xmlns="" val="999608912"/>
       </p:ext>
     </p:extLst>
   </p:cSld>
@@ -7691,7 +7678,7 @@
     </p:spTree>
     <p:extLst>
       <p:ext uri="{BB962C8B-B14F-4D97-AF65-F5344CB8AC3E}">
-        <p14:creationId xmlns:p14="http://schemas.microsoft.com/office/powerpoint/2010/main" val="358632076"/>
+        <p14:creationId xmlns:p14="http://schemas.microsoft.com/office/powerpoint/2010/main" xmlns="" val="358632076"/>
       </p:ext>
     </p:extLst>
   </p:cSld>
@@ -7959,7 +7946,7 @@
   <a:extraClrSchemeLst/>
   <a:extLst>
     <a:ext uri="{05A4C25C-085E-4340-85A3-A5531E510DB2}">
-      <thm15:themeFamily xmlns:thm15="http://schemas.microsoft.com/office/thememl/2012/main" name="Facet" id="{C0C680CD-088A-49FC-A102-D699147F32B2}" vid="{CFBC31BA-B70F-4F30-BCAA-4F3011E16C4D}"/>
+      <thm15:themeFamily xmlns:thm15="http://schemas.microsoft.com/office/thememl/2012/main" xmlns="" name="Facet" id="{C0C680CD-088A-49FC-A102-D699147F32B2}" vid="{CFBC31BA-B70F-4F30-BCAA-4F3011E16C4D}"/>
     </a:ext>
   </a:extLst>
 </a:theme>

--- a/src/ppt6_ar.pptx
+++ b/src/ppt6_ar.pptx
@@ -113,7 +113,7 @@
   </p:defaultTextStyle>
   <p:extLst>
     <p:ext uri="{EFAFB233-063F-42B5-8137-9DF3F51BA10A}">
-      <p15:sldGuideLst xmlns:p15="http://schemas.microsoft.com/office/powerpoint/2012/main" xmlns="">
+      <p15:sldGuideLst xmlns="" xmlns:p15="http://schemas.microsoft.com/office/powerpoint/2012/main">
         <p15:guide id="1" orient="horz" pos="2160">
           <p15:clr>
             <a:srgbClr val="A4A3A4"/>
@@ -853,7 +853,7 @@
             <a:fld id="{48A87A34-81AB-432B-8DAE-1953F412C126}" type="datetimeFigureOut">
               <a:rPr lang="en-US" smtClean="0"/>
               <a:pPr/>
-              <a:t>2/26/2018</a:t>
+              <a:t>5/8/2018</a:t>
             </a:fld>
             <a:endParaRPr lang="en-US" dirty="0"/>
           </a:p>
@@ -905,7 +905,7 @@
     </p:spTree>
     <p:extLst>
       <p:ext uri="{BB962C8B-B14F-4D97-AF65-F5344CB8AC3E}">
-        <p14:creationId xmlns:p14="http://schemas.microsoft.com/office/powerpoint/2010/main" xmlns="" val="2379700270"/>
+        <p14:creationId xmlns="" xmlns:p14="http://schemas.microsoft.com/office/powerpoint/2010/main" val="2379700270"/>
       </p:ext>
     </p:extLst>
   </p:cSld>
@@ -1106,7 +1106,7 @@
             <a:fld id="{48A87A34-81AB-432B-8DAE-1953F412C126}" type="datetimeFigureOut">
               <a:rPr lang="en-US" smtClean="0"/>
               <a:pPr/>
-              <a:t>2/26/2018</a:t>
+              <a:t>5/8/2018</a:t>
             </a:fld>
             <a:endParaRPr lang="en-US" dirty="0"/>
           </a:p>
@@ -1158,7 +1158,7 @@
     </p:spTree>
     <p:extLst>
       <p:ext uri="{BB962C8B-B14F-4D97-AF65-F5344CB8AC3E}">
-        <p14:creationId xmlns:p14="http://schemas.microsoft.com/office/powerpoint/2010/main" xmlns="" val="1804991245"/>
+        <p14:creationId xmlns="" xmlns:p14="http://schemas.microsoft.com/office/powerpoint/2010/main" val="1804991245"/>
       </p:ext>
     </p:extLst>
   </p:cSld>
@@ -1422,7 +1422,7 @@
             <a:fld id="{48A87A34-81AB-432B-8DAE-1953F412C126}" type="datetimeFigureOut">
               <a:rPr lang="en-US" smtClean="0"/>
               <a:pPr/>
-              <a:t>2/26/2018</a:t>
+              <a:t>5/8/2018</a:t>
             </a:fld>
             <a:endParaRPr lang="en-US" dirty="0"/>
           </a:p>
@@ -1564,7 +1564,7 @@
     </p:spTree>
     <p:extLst>
       <p:ext uri="{BB962C8B-B14F-4D97-AF65-F5344CB8AC3E}">
-        <p14:creationId xmlns:p14="http://schemas.microsoft.com/office/powerpoint/2010/main" xmlns="" val="1473712570"/>
+        <p14:creationId xmlns="" xmlns:p14="http://schemas.microsoft.com/office/powerpoint/2010/main" val="1473712570"/>
       </p:ext>
     </p:extLst>
   </p:cSld>
@@ -1765,7 +1765,7 @@
             <a:fld id="{48A87A34-81AB-432B-8DAE-1953F412C126}" type="datetimeFigureOut">
               <a:rPr lang="en-US" smtClean="0"/>
               <a:pPr/>
-              <a:t>2/26/2018</a:t>
+              <a:t>5/8/2018</a:t>
             </a:fld>
             <a:endParaRPr lang="en-US" dirty="0"/>
           </a:p>
@@ -1817,7 +1817,7 @@
     </p:spTree>
     <p:extLst>
       <p:ext uri="{BB962C8B-B14F-4D97-AF65-F5344CB8AC3E}">
-        <p14:creationId xmlns:p14="http://schemas.microsoft.com/office/powerpoint/2010/main" xmlns="" val="2530574234"/>
+        <p14:creationId xmlns="" xmlns:p14="http://schemas.microsoft.com/office/powerpoint/2010/main" val="2530574234"/>
       </p:ext>
     </p:extLst>
   </p:cSld>
@@ -2081,7 +2081,7 @@
             <a:fld id="{48A87A34-81AB-432B-8DAE-1953F412C126}" type="datetimeFigureOut">
               <a:rPr lang="en-US" smtClean="0"/>
               <a:pPr/>
-              <a:t>2/26/2018</a:t>
+              <a:t>5/8/2018</a:t>
             </a:fld>
             <a:endParaRPr lang="en-US" dirty="0"/>
           </a:p>
@@ -2215,7 +2215,7 @@
     </p:spTree>
     <p:extLst>
       <p:ext uri="{BB962C8B-B14F-4D97-AF65-F5344CB8AC3E}">
-        <p14:creationId xmlns:p14="http://schemas.microsoft.com/office/powerpoint/2010/main" xmlns="" val="1004790222"/>
+        <p14:creationId xmlns="" xmlns:p14="http://schemas.microsoft.com/office/powerpoint/2010/main" val="1004790222"/>
       </p:ext>
     </p:extLst>
   </p:cSld>
@@ -2476,7 +2476,7 @@
             <a:fld id="{48A87A34-81AB-432B-8DAE-1953F412C126}" type="datetimeFigureOut">
               <a:rPr lang="en-US" smtClean="0"/>
               <a:pPr/>
-              <a:t>2/26/2018</a:t>
+              <a:t>5/8/2018</a:t>
             </a:fld>
             <a:endParaRPr lang="en-US" dirty="0"/>
           </a:p>
@@ -2528,7 +2528,7 @@
     </p:spTree>
     <p:extLst>
       <p:ext uri="{BB962C8B-B14F-4D97-AF65-F5344CB8AC3E}">
-        <p14:creationId xmlns:p14="http://schemas.microsoft.com/office/powerpoint/2010/main" xmlns="" val="3328784466"/>
+        <p14:creationId xmlns="" xmlns:p14="http://schemas.microsoft.com/office/powerpoint/2010/main" val="3328784466"/>
       </p:ext>
     </p:extLst>
   </p:cSld>
@@ -2648,7 +2648,7 @@
             <a:fld id="{48A87A34-81AB-432B-8DAE-1953F412C126}" type="datetimeFigureOut">
               <a:rPr lang="en-US" smtClean="0"/>
               <a:pPr/>
-              <a:t>2/26/2018</a:t>
+              <a:t>5/8/2018</a:t>
             </a:fld>
             <a:endParaRPr lang="en-US" dirty="0"/>
           </a:p>
@@ -2700,7 +2700,7 @@
     </p:spTree>
     <p:extLst>
       <p:ext uri="{BB962C8B-B14F-4D97-AF65-F5344CB8AC3E}">
-        <p14:creationId xmlns:p14="http://schemas.microsoft.com/office/powerpoint/2010/main" xmlns="" val="1447070425"/>
+        <p14:creationId xmlns="" xmlns:p14="http://schemas.microsoft.com/office/powerpoint/2010/main" val="1447070425"/>
       </p:ext>
     </p:extLst>
   </p:cSld>
@@ -2830,7 +2830,7 @@
             <a:fld id="{48A87A34-81AB-432B-8DAE-1953F412C126}" type="datetimeFigureOut">
               <a:rPr lang="en-US" smtClean="0"/>
               <a:pPr/>
-              <a:t>2/26/2018</a:t>
+              <a:t>5/8/2018</a:t>
             </a:fld>
             <a:endParaRPr lang="en-US" dirty="0"/>
           </a:p>
@@ -2882,7 +2882,7 @@
     </p:spTree>
     <p:extLst>
       <p:ext uri="{BB962C8B-B14F-4D97-AF65-F5344CB8AC3E}">
-        <p14:creationId xmlns:p14="http://schemas.microsoft.com/office/powerpoint/2010/main" xmlns="" val="3648480235"/>
+        <p14:creationId xmlns="" xmlns:p14="http://schemas.microsoft.com/office/powerpoint/2010/main" val="3648480235"/>
       </p:ext>
     </p:extLst>
   </p:cSld>
@@ -3008,7 +3008,7 @@
             <a:fld id="{48A87A34-81AB-432B-8DAE-1953F412C126}" type="datetimeFigureOut">
               <a:rPr lang="en-US" smtClean="0"/>
               <a:pPr/>
-              <a:t>2/26/2018</a:t>
+              <a:t>5/8/2018</a:t>
             </a:fld>
             <a:endParaRPr lang="en-US" dirty="0"/>
           </a:p>
@@ -3060,7 +3060,7 @@
     </p:spTree>
     <p:extLst>
       <p:ext uri="{BB962C8B-B14F-4D97-AF65-F5344CB8AC3E}">
-        <p14:creationId xmlns:p14="http://schemas.microsoft.com/office/powerpoint/2010/main" xmlns="" val="2649633687"/>
+        <p14:creationId xmlns="" xmlns:p14="http://schemas.microsoft.com/office/powerpoint/2010/main" val="2649633687"/>
       </p:ext>
     </p:extLst>
   </p:cSld>
@@ -3257,7 +3257,7 @@
             <a:fld id="{48A87A34-81AB-432B-8DAE-1953F412C126}" type="datetimeFigureOut">
               <a:rPr lang="en-US" smtClean="0"/>
               <a:pPr/>
-              <a:t>2/26/2018</a:t>
+              <a:t>5/8/2018</a:t>
             </a:fld>
             <a:endParaRPr lang="en-US" dirty="0"/>
           </a:p>
@@ -3309,7 +3309,7 @@
     </p:spTree>
     <p:extLst>
       <p:ext uri="{BB962C8B-B14F-4D97-AF65-F5344CB8AC3E}">
-        <p14:creationId xmlns:p14="http://schemas.microsoft.com/office/powerpoint/2010/main" xmlns="" val="572893903"/>
+        <p14:creationId xmlns="" xmlns:p14="http://schemas.microsoft.com/office/powerpoint/2010/main" val="572893903"/>
       </p:ext>
     </p:extLst>
   </p:cSld>
@@ -3491,7 +3491,7 @@
             <a:fld id="{48A87A34-81AB-432B-8DAE-1953F412C126}" type="datetimeFigureOut">
               <a:rPr lang="en-US" smtClean="0"/>
               <a:pPr/>
-              <a:t>2/26/2018</a:t>
+              <a:t>5/8/2018</a:t>
             </a:fld>
             <a:endParaRPr lang="en-US" dirty="0"/>
           </a:p>
@@ -3543,7 +3543,7 @@
     </p:spTree>
     <p:extLst>
       <p:ext uri="{BB962C8B-B14F-4D97-AF65-F5344CB8AC3E}">
-        <p14:creationId xmlns:p14="http://schemas.microsoft.com/office/powerpoint/2010/main" xmlns="" val="3918475607"/>
+        <p14:creationId xmlns="" xmlns:p14="http://schemas.microsoft.com/office/powerpoint/2010/main" val="3918475607"/>
       </p:ext>
     </p:extLst>
   </p:cSld>
@@ -3867,7 +3867,7 @@
             <a:fld id="{48A87A34-81AB-432B-8DAE-1953F412C126}" type="datetimeFigureOut">
               <a:rPr lang="en-US" smtClean="0"/>
               <a:pPr/>
-              <a:t>2/26/2018</a:t>
+              <a:t>5/8/2018</a:t>
             </a:fld>
             <a:endParaRPr lang="en-US" dirty="0"/>
           </a:p>
@@ -3919,7 +3919,7 @@
     </p:spTree>
     <p:extLst>
       <p:ext uri="{BB962C8B-B14F-4D97-AF65-F5344CB8AC3E}">
-        <p14:creationId xmlns:p14="http://schemas.microsoft.com/office/powerpoint/2010/main" xmlns="" val="70569158"/>
+        <p14:creationId xmlns="" xmlns:p14="http://schemas.microsoft.com/office/powerpoint/2010/main" val="70569158"/>
       </p:ext>
     </p:extLst>
   </p:cSld>
@@ -3992,7 +3992,7 @@
             <a:fld id="{48A87A34-81AB-432B-8DAE-1953F412C126}" type="datetimeFigureOut">
               <a:rPr lang="en-US" smtClean="0"/>
               <a:pPr/>
-              <a:t>2/26/2018</a:t>
+              <a:t>5/8/2018</a:t>
             </a:fld>
             <a:endParaRPr lang="en-US" dirty="0"/>
           </a:p>
@@ -4044,7 +4044,7 @@
     </p:spTree>
     <p:extLst>
       <p:ext uri="{BB962C8B-B14F-4D97-AF65-F5344CB8AC3E}">
-        <p14:creationId xmlns:p14="http://schemas.microsoft.com/office/powerpoint/2010/main" xmlns="" val="3956773614"/>
+        <p14:creationId xmlns="" xmlns:p14="http://schemas.microsoft.com/office/powerpoint/2010/main" val="3956773614"/>
       </p:ext>
     </p:extLst>
   </p:cSld>
@@ -4089,7 +4089,7 @@
             <a:fld id="{48A87A34-81AB-432B-8DAE-1953F412C126}" type="datetimeFigureOut">
               <a:rPr lang="en-US" smtClean="0"/>
               <a:pPr/>
-              <a:t>2/26/2018</a:t>
+              <a:t>5/8/2018</a:t>
             </a:fld>
             <a:endParaRPr lang="en-US" dirty="0"/>
           </a:p>
@@ -4141,7 +4141,7 @@
     </p:spTree>
     <p:extLst>
       <p:ext uri="{BB962C8B-B14F-4D97-AF65-F5344CB8AC3E}">
-        <p14:creationId xmlns:p14="http://schemas.microsoft.com/office/powerpoint/2010/main" xmlns="" val="843387325"/>
+        <p14:creationId xmlns="" xmlns:p14="http://schemas.microsoft.com/office/powerpoint/2010/main" val="843387325"/>
       </p:ext>
     </p:extLst>
   </p:cSld>
@@ -4346,7 +4346,7 @@
             <a:fld id="{48A87A34-81AB-432B-8DAE-1953F412C126}" type="datetimeFigureOut">
               <a:rPr lang="en-US" smtClean="0"/>
               <a:pPr/>
-              <a:t>2/26/2018</a:t>
+              <a:t>5/8/2018</a:t>
             </a:fld>
             <a:endParaRPr lang="en-US" dirty="0"/>
           </a:p>
@@ -4398,7 +4398,7 @@
     </p:spTree>
     <p:extLst>
       <p:ext uri="{BB962C8B-B14F-4D97-AF65-F5344CB8AC3E}">
-        <p14:creationId xmlns:p14="http://schemas.microsoft.com/office/powerpoint/2010/main" xmlns="" val="614752468"/>
+        <p14:creationId xmlns="" xmlns:p14="http://schemas.microsoft.com/office/powerpoint/2010/main" val="614752468"/>
       </p:ext>
     </p:extLst>
   </p:cSld>
@@ -4611,7 +4611,7 @@
             <a:fld id="{48A87A34-81AB-432B-8DAE-1953F412C126}" type="datetimeFigureOut">
               <a:rPr lang="en-US" smtClean="0"/>
               <a:pPr/>
-              <a:t>2/26/2018</a:t>
+              <a:t>5/8/2018</a:t>
             </a:fld>
             <a:endParaRPr lang="en-US" dirty="0"/>
           </a:p>
@@ -4663,7 +4663,7 @@
     </p:spTree>
     <p:extLst>
       <p:ext uri="{BB962C8B-B14F-4D97-AF65-F5344CB8AC3E}">
-        <p14:creationId xmlns:p14="http://schemas.microsoft.com/office/powerpoint/2010/main" xmlns="" val="2525773852"/>
+        <p14:creationId xmlns="" xmlns:p14="http://schemas.microsoft.com/office/powerpoint/2010/main" val="2525773852"/>
       </p:ext>
     </p:extLst>
   </p:cSld>
@@ -5356,7 +5356,7 @@
             <a:fld id="{48A87A34-81AB-432B-8DAE-1953F412C126}" type="datetimeFigureOut">
               <a:rPr lang="en-US" smtClean="0"/>
               <a:pPr/>
-              <a:t>2/26/2018</a:t>
+              <a:t>5/8/2018</a:t>
             </a:fld>
             <a:endParaRPr lang="en-US" dirty="0"/>
           </a:p>
@@ -5442,7 +5442,7 @@
     </p:spTree>
     <p:extLst>
       <p:ext uri="{BB962C8B-B14F-4D97-AF65-F5344CB8AC3E}">
-        <p14:creationId xmlns:p14="http://schemas.microsoft.com/office/powerpoint/2010/main" xmlns="" val="2849168193"/>
+        <p14:creationId xmlns="" xmlns:p14="http://schemas.microsoft.com/office/powerpoint/2010/main" val="2849168193"/>
       </p:ext>
     </p:extLst>
   </p:cSld>
@@ -5933,7 +5933,7 @@
     </p:spTree>
     <p:extLst>
       <p:ext uri="{BB962C8B-B14F-4D97-AF65-F5344CB8AC3E}">
-        <p14:creationId xmlns:p14="http://schemas.microsoft.com/office/powerpoint/2010/main" xmlns="" val="1597654807"/>
+        <p14:creationId xmlns="" xmlns:p14="http://schemas.microsoft.com/office/powerpoint/2010/main" val="1597654807"/>
       </p:ext>
     </p:extLst>
   </p:cSld>
@@ -6113,7 +6113,7 @@
     </p:spTree>
     <p:extLst>
       <p:ext uri="{BB962C8B-B14F-4D97-AF65-F5344CB8AC3E}">
-        <p14:creationId xmlns:p14="http://schemas.microsoft.com/office/powerpoint/2010/main" xmlns="" val="2508929371"/>
+        <p14:creationId xmlns="" xmlns:p14="http://schemas.microsoft.com/office/powerpoint/2010/main" val="2508929371"/>
       </p:ext>
     </p:extLst>
   </p:cSld>
@@ -6245,7 +6245,7 @@
     </p:spTree>
     <p:extLst>
       <p:ext uri="{BB962C8B-B14F-4D97-AF65-F5344CB8AC3E}">
-        <p14:creationId xmlns:p14="http://schemas.microsoft.com/office/powerpoint/2010/main" xmlns="" val="2508929371"/>
+        <p14:creationId xmlns="" xmlns:p14="http://schemas.microsoft.com/office/powerpoint/2010/main" val="2508929371"/>
       </p:ext>
     </p:extLst>
   </p:cSld>
@@ -6580,7 +6580,7 @@
     </p:spTree>
     <p:extLst>
       <p:ext uri="{BB962C8B-B14F-4D97-AF65-F5344CB8AC3E}">
-        <p14:creationId xmlns:p14="http://schemas.microsoft.com/office/powerpoint/2010/main" xmlns="" val="2508929371"/>
+        <p14:creationId xmlns="" xmlns:p14="http://schemas.microsoft.com/office/powerpoint/2010/main" val="2508929371"/>
       </p:ext>
     </p:extLst>
   </p:cSld>
@@ -6932,7 +6932,7 @@
     </p:spTree>
     <p:extLst>
       <p:ext uri="{BB962C8B-B14F-4D97-AF65-F5344CB8AC3E}">
-        <p14:creationId xmlns:p14="http://schemas.microsoft.com/office/powerpoint/2010/main" xmlns="" val="2661344110"/>
+        <p14:creationId xmlns="" xmlns:p14="http://schemas.microsoft.com/office/powerpoint/2010/main" val="2661344110"/>
       </p:ext>
     </p:extLst>
   </p:cSld>
@@ -7221,7 +7221,7 @@
           <a:blip r:embed="rId2">
             <a:extLst>
               <a:ext uri="{28A0092B-C50C-407E-A947-70E740481C1C}">
-                <a14:useLocalDpi xmlns:a14="http://schemas.microsoft.com/office/drawing/2010/main" xmlns="" val="0"/>
+                <a14:useLocalDpi xmlns="" xmlns:a14="http://schemas.microsoft.com/office/drawing/2010/main" val="0"/>
               </a:ext>
             </a:extLst>
           </a:blip>
@@ -7242,7 +7242,7 @@
     </p:spTree>
     <p:extLst>
       <p:ext uri="{BB962C8B-B14F-4D97-AF65-F5344CB8AC3E}">
-        <p14:creationId xmlns:p14="http://schemas.microsoft.com/office/powerpoint/2010/main" xmlns="" val="999608912"/>
+        <p14:creationId xmlns="" xmlns:p14="http://schemas.microsoft.com/office/powerpoint/2010/main" val="999608912"/>
       </p:ext>
     </p:extLst>
   </p:cSld>
@@ -7490,7 +7490,7 @@
     </p:spTree>
     <p:extLst>
       <p:ext uri="{BB962C8B-B14F-4D97-AF65-F5344CB8AC3E}">
-        <p14:creationId xmlns:p14="http://schemas.microsoft.com/office/powerpoint/2010/main" xmlns="" val="999608912"/>
+        <p14:creationId xmlns="" xmlns:p14="http://schemas.microsoft.com/office/powerpoint/2010/main" val="999608912"/>
       </p:ext>
     </p:extLst>
   </p:cSld>
@@ -7667,7 +7667,28 @@
                 <a:latin typeface="Ara Hamah Alislam" panose="00000500000000000000" pitchFamily="2" charset="-78"/>
                 <a:cs typeface="Ara Hamah Alislam" panose="00000500000000000000" pitchFamily="2" charset="-78"/>
               </a:rPr>
-              <a:t>رتب الروبوت قبل وضعه في الخزانة </a:t>
+              <a:t>رتب الروبوت قبل وضعه في </a:t>
+            </a:r>
+            <a:r>
+              <a:rPr lang="ar-EG" sz="5700" dirty="0" smtClean="0">
+                <a:latin typeface="Ara Hamah Alislam" panose="00000500000000000000" pitchFamily="2" charset="-78"/>
+                <a:cs typeface="Ara Hamah Alislam" panose="00000500000000000000" pitchFamily="2" charset="-78"/>
+              </a:rPr>
+              <a:t>الخزانة</a:t>
+            </a:r>
+            <a:r>
+              <a:rPr lang="he-IL" sz="5700" smtClean="0">
+                <a:latin typeface="Ara Hamah Alislam" panose="00000500000000000000" pitchFamily="2" charset="-78"/>
+                <a:cs typeface="Ara Hamah Alislam" panose="00000500000000000000" pitchFamily="2" charset="-78"/>
+              </a:rPr>
+              <a:t> </a:t>
+            </a:r>
+            <a:r>
+              <a:rPr lang="ar-EG" sz="5700" smtClean="0">
+                <a:latin typeface="Ara Hamah Alislam" panose="00000500000000000000" pitchFamily="2" charset="-78"/>
+                <a:cs typeface="Ara Hamah Alislam" panose="00000500000000000000" pitchFamily="2" charset="-78"/>
+              </a:rPr>
+              <a:t> </a:t>
             </a:r>
             <a:endParaRPr lang="he-IL" sz="5700" dirty="0" smtClean="0">
               <a:latin typeface="Ara Hamah Alislam" panose="00000500000000000000" pitchFamily="2" charset="-78"/>
@@ -7678,7 +7699,7 @@
     </p:spTree>
     <p:extLst>
       <p:ext uri="{BB962C8B-B14F-4D97-AF65-F5344CB8AC3E}">
-        <p14:creationId xmlns:p14="http://schemas.microsoft.com/office/powerpoint/2010/main" xmlns="" val="358632076"/>
+        <p14:creationId xmlns="" xmlns:p14="http://schemas.microsoft.com/office/powerpoint/2010/main" val="358632076"/>
       </p:ext>
     </p:extLst>
   </p:cSld>
@@ -7946,7 +7967,7 @@
   <a:extraClrSchemeLst/>
   <a:extLst>
     <a:ext uri="{05A4C25C-085E-4340-85A3-A5531E510DB2}">
-      <thm15:themeFamily xmlns:thm15="http://schemas.microsoft.com/office/thememl/2012/main" xmlns="" name="Facet" id="{C0C680CD-088A-49FC-A102-D699147F32B2}" vid="{CFBC31BA-B70F-4F30-BCAA-4F3011E16C4D}"/>
+      <thm15:themeFamily xmlns="" xmlns:thm15="http://schemas.microsoft.com/office/thememl/2012/main" name="Facet" id="{C0C680CD-088A-49FC-A102-D699147F32B2}" vid="{CFBC31BA-B70F-4F30-BCAA-4F3011E16C4D}"/>
     </a:ext>
   </a:extLst>
 </a:theme>
